--- a/SFML 던그리드 모작 팀 프로젝트(민지규, 박지광, 황규영) 발표 자료 - 황규영.pptx
+++ b/SFML 던그리드 모작 팀 프로젝트(민지규, 박지광, 황규영) 발표 자료 - 황규영.pptx
@@ -13,23 +13,28 @@
     <p:sldId id="271" r:id="rId7"/>
     <p:sldId id="272" r:id="rId8"/>
     <p:sldId id="264" r:id="rId9"/>
-    <p:sldId id="261" r:id="rId10"/>
-    <p:sldId id="268" r:id="rId11"/>
-    <p:sldId id="269" r:id="rId12"/>
+    <p:sldId id="275" r:id="rId10"/>
+    <p:sldId id="276" r:id="rId11"/>
+    <p:sldId id="277" r:id="rId12"/>
+    <p:sldId id="261" r:id="rId13"/>
+    <p:sldId id="274" r:id="rId14"/>
+    <p:sldId id="270" r:id="rId15"/>
+    <p:sldId id="268" r:id="rId16"/>
+    <p:sldId id="269" r:id="rId17"/>
   </p:sldIdLst>
   <p:sldSz cx="12192000" cy="6858000"/>
   <p:notesSz cx="6858000" cy="9144000"/>
   <p:embeddedFontLst>
     <p:embeddedFont>
       <p:font typeface="Century Schoolbook" panose="02040604050505020304" pitchFamily="18" charset="0"/>
-      <p:regular r:id="rId13"/>
-      <p:bold r:id="rId14"/>
-      <p:italic r:id="rId15"/>
-      <p:boldItalic r:id="rId16"/>
+      <p:regular r:id="rId18"/>
+      <p:bold r:id="rId19"/>
+      <p:italic r:id="rId20"/>
+      <p:boldItalic r:id="rId21"/>
     </p:embeddedFont>
     <p:embeddedFont>
       <p:font typeface="Wingdings 2" panose="05020102010507070707" pitchFamily="18" charset="2"/>
-      <p:regular r:id="rId17"/>
+      <p:regular r:id="rId22"/>
     </p:embeddedFont>
   </p:embeddedFontLst>
   <p:defaultTextStyle>
@@ -3799,6 +3804,2308 @@
   <p:cSld>
     <p:spTree>
       <p:nvGrpSpPr>
+        <p:cNvPr id="1" name="">
+          <a:extLst>
+            <a:ext uri="{FF2B5EF4-FFF2-40B4-BE49-F238E27FC236}">
+              <a16:creationId xmlns:a16="http://schemas.microsoft.com/office/drawing/2014/main" id="{6FBE0966-202C-F317-787B-8D5B2DA25010}"/>
+            </a:ext>
+          </a:extLst>
+        </p:cNvPr>
+        <p:cNvGrpSpPr/>
+        <p:nvPr/>
+      </p:nvGrpSpPr>
+      <p:grpSpPr>
+        <a:xfrm>
+          <a:off x="0" y="0"/>
+          <a:ext cx="0" cy="0"/>
+          <a:chOff x="0" y="0"/>
+          <a:chExt cx="0" cy="0"/>
+        </a:xfrm>
+      </p:grpSpPr>
+      <p:sp>
+        <p:nvSpPr>
+          <p:cNvPr id="2" name="제목 1">
+            <a:extLst>
+              <a:ext uri="{FF2B5EF4-FFF2-40B4-BE49-F238E27FC236}">
+                <a16:creationId xmlns:a16="http://schemas.microsoft.com/office/drawing/2014/main" id="{4E6EF649-A4DC-B6AA-2ECA-2EE7C2C03D94}"/>
+              </a:ext>
+            </a:extLst>
+          </p:cNvPr>
+          <p:cNvSpPr>
+            <a:spLocks noGrp="1"/>
+          </p:cNvSpPr>
+          <p:nvPr>
+            <p:ph type="title"/>
+          </p:nvPr>
+        </p:nvSpPr>
+        <p:spPr/>
+        <p:txBody>
+          <a:bodyPr/>
+          <a:lstStyle/>
+          <a:p>
+            <a:r>
+              <a:rPr lang="ko-KR" altLang="en-US" dirty="0"/>
+              <a:t>구현 내용 </a:t>
+            </a:r>
+            <a:r>
+              <a:rPr lang="en-US" altLang="ko-KR" dirty="0"/>
+              <a:t>– </a:t>
+            </a:r>
+            <a:r>
+              <a:rPr lang="ko-KR" altLang="en-US" dirty="0"/>
+              <a:t>황규영 </a:t>
+            </a:r>
+            <a:r>
+              <a:rPr lang="en-US" altLang="ko-KR" dirty="0"/>
+              <a:t>– </a:t>
+            </a:r>
+            <a:r>
+              <a:rPr lang="ko-KR" altLang="en-US" dirty="0"/>
+              <a:t>층 생성</a:t>
+            </a:r>
+          </a:p>
+        </p:txBody>
+      </p:sp>
+      <p:sp>
+        <p:nvSpPr>
+          <p:cNvPr id="3" name="내용 개체 틀 2">
+            <a:extLst>
+              <a:ext uri="{FF2B5EF4-FFF2-40B4-BE49-F238E27FC236}">
+                <a16:creationId xmlns:a16="http://schemas.microsoft.com/office/drawing/2014/main" id="{BC636198-2B5D-525F-C83A-1C130F5618D4}"/>
+              </a:ext>
+            </a:extLst>
+          </p:cNvPr>
+          <p:cNvSpPr>
+            <a:spLocks noGrp="1"/>
+          </p:cNvSpPr>
+          <p:nvPr>
+            <p:ph idx="1"/>
+          </p:nvPr>
+        </p:nvSpPr>
+        <p:spPr/>
+        <p:txBody>
+          <a:bodyPr/>
+          <a:lstStyle/>
+          <a:p>
+            <a:r>
+              <a:rPr lang="ko-KR" altLang="en-US" dirty="0"/>
+              <a:t>만들어진 기본 입구 방을 랜덤으로 선택</a:t>
+            </a:r>
+            <a:endParaRPr lang="en-US" altLang="ko-KR" dirty="0"/>
+          </a:p>
+          <a:p>
+            <a:r>
+              <a:rPr lang="en-US" altLang="ko-KR" dirty="0"/>
+              <a:t>BFS</a:t>
+            </a:r>
+            <a:r>
+              <a:rPr lang="ko-KR" altLang="en-US" dirty="0"/>
+              <a:t>를 사용 상하좌우 순서로 생성 큐에 추가</a:t>
+            </a:r>
+            <a:endParaRPr lang="en-US" altLang="ko-KR" dirty="0"/>
+          </a:p>
+          <a:p>
+            <a:r>
+              <a:rPr lang="ko-KR" altLang="en-US" dirty="0"/>
+              <a:t>생성된 방향을 제외한 </a:t>
+            </a:r>
+            <a:r>
+              <a:rPr lang="en-US" altLang="ko-KR" dirty="0"/>
+              <a:t>3 </a:t>
+            </a:r>
+            <a:r>
+              <a:rPr lang="ko-KR" altLang="en-US" dirty="0"/>
+              <a:t>방향을 랜덤으로 선택하여 연결될 방 선택</a:t>
+            </a:r>
+            <a:endParaRPr lang="en-US" altLang="ko-KR" dirty="0"/>
+          </a:p>
+          <a:p>
+            <a:r>
+              <a:rPr lang="ko-KR" altLang="en-US" dirty="0"/>
+              <a:t>미리 </a:t>
+            </a:r>
+            <a:r>
+              <a:rPr lang="ko-KR" altLang="en-US" dirty="0" err="1"/>
+              <a:t>생성되어있거나</a:t>
+            </a:r>
+            <a:r>
+              <a:rPr lang="ko-KR" altLang="en-US" dirty="0"/>
+              <a:t> 생성 큐에 들어간 위치는 제외하여 해당 연결 상태를 가지는 방을 랜덤으로 선택</a:t>
+            </a:r>
+            <a:endParaRPr lang="en-US" altLang="ko-KR" dirty="0"/>
+          </a:p>
+        </p:txBody>
+      </p:sp>
+      <p:graphicFrame>
+        <p:nvGraphicFramePr>
+          <p:cNvPr id="6" name="표 5">
+            <a:extLst>
+              <a:ext uri="{FF2B5EF4-FFF2-40B4-BE49-F238E27FC236}">
+                <a16:creationId xmlns:a16="http://schemas.microsoft.com/office/drawing/2014/main" id="{B4526DA3-16E3-06FC-9482-BF1AA0BD3C95}"/>
+              </a:ext>
+            </a:extLst>
+          </p:cNvPr>
+          <p:cNvGraphicFramePr>
+            <a:graphicFrameLocks noGrp="1"/>
+          </p:cNvGraphicFramePr>
+          <p:nvPr>
+            <p:extLst>
+              <p:ext uri="{D42A27DB-BD31-4B8C-83A1-F6EECF244321}">
+                <p14:modId xmlns:p14="http://schemas.microsoft.com/office/powerpoint/2010/main" val="1849865875"/>
+              </p:ext>
+            </p:extLst>
+          </p:nvPr>
+        </p:nvGraphicFramePr>
+        <p:xfrm>
+          <a:off x="2418133" y="3977580"/>
+          <a:ext cx="6208945" cy="2671680"/>
+        </p:xfrm>
+        <a:graphic>
+          <a:graphicData uri="http://schemas.openxmlformats.org/drawingml/2006/table">
+            <a:tbl>
+              <a:tblPr firstRow="1" bandRow="1">
+                <a:tableStyleId>{5940675A-B579-460E-94D1-54222C63F5DA}</a:tableStyleId>
+              </a:tblPr>
+              <a:tblGrid>
+                <a:gridCol w="1241789">
+                  <a:extLst>
+                    <a:ext uri="{9D8B030D-6E8A-4147-A177-3AD203B41FA5}">
+                      <a16:colId xmlns:a16="http://schemas.microsoft.com/office/drawing/2014/main" val="1598940904"/>
+                    </a:ext>
+                  </a:extLst>
+                </a:gridCol>
+                <a:gridCol w="1241789">
+                  <a:extLst>
+                    <a:ext uri="{9D8B030D-6E8A-4147-A177-3AD203B41FA5}">
+                      <a16:colId xmlns:a16="http://schemas.microsoft.com/office/drawing/2014/main" val="21660658"/>
+                    </a:ext>
+                  </a:extLst>
+                </a:gridCol>
+                <a:gridCol w="1241789">
+                  <a:extLst>
+                    <a:ext uri="{9D8B030D-6E8A-4147-A177-3AD203B41FA5}">
+                      <a16:colId xmlns:a16="http://schemas.microsoft.com/office/drawing/2014/main" val="2577790227"/>
+                    </a:ext>
+                  </a:extLst>
+                </a:gridCol>
+                <a:gridCol w="1241789">
+                  <a:extLst>
+                    <a:ext uri="{9D8B030D-6E8A-4147-A177-3AD203B41FA5}">
+                      <a16:colId xmlns:a16="http://schemas.microsoft.com/office/drawing/2014/main" val="385002661"/>
+                    </a:ext>
+                  </a:extLst>
+                </a:gridCol>
+                <a:gridCol w="1241789">
+                  <a:extLst>
+                    <a:ext uri="{9D8B030D-6E8A-4147-A177-3AD203B41FA5}">
+                      <a16:colId xmlns:a16="http://schemas.microsoft.com/office/drawing/2014/main" val="2337363058"/>
+                    </a:ext>
+                  </a:extLst>
+                </a:gridCol>
+              </a:tblGrid>
+              <a:tr h="534336">
+                <a:tc>
+                  <a:txBody>
+                    <a:bodyPr/>
+                    <a:lstStyle/>
+                    <a:p>
+                      <a:pPr algn="ctr" latinLnBrk="1"/>
+                      <a:endParaRPr lang="ko-KR" altLang="en-US" dirty="0"/>
+                    </a:p>
+                  </a:txBody>
+                  <a:tcPr anchor="ctr"/>
+                </a:tc>
+                <a:tc>
+                  <a:txBody>
+                    <a:bodyPr/>
+                    <a:lstStyle/>
+                    <a:p>
+                      <a:pPr algn="ctr" latinLnBrk="1"/>
+                      <a:endParaRPr lang="ko-KR" altLang="en-US"/>
+                    </a:p>
+                  </a:txBody>
+                  <a:tcPr anchor="ctr"/>
+                </a:tc>
+                <a:tc>
+                  <a:txBody>
+                    <a:bodyPr/>
+                    <a:lstStyle/>
+                    <a:p>
+                      <a:pPr algn="ctr" latinLnBrk="1"/>
+                      <a:r>
+                        <a:rPr lang="en-US" altLang="ko-KR" dirty="0"/>
+                        <a:t>3</a:t>
+                      </a:r>
+                      <a:endParaRPr lang="ko-KR" altLang="en-US" dirty="0"/>
+                    </a:p>
+                  </a:txBody>
+                  <a:tcPr anchor="ctr"/>
+                </a:tc>
+                <a:tc>
+                  <a:txBody>
+                    <a:bodyPr/>
+                    <a:lstStyle/>
+                    <a:p>
+                      <a:pPr algn="ctr" latinLnBrk="1"/>
+                      <a:endParaRPr lang="ko-KR" altLang="en-US"/>
+                    </a:p>
+                  </a:txBody>
+                  <a:tcPr anchor="ctr"/>
+                </a:tc>
+                <a:tc>
+                  <a:txBody>
+                    <a:bodyPr/>
+                    <a:lstStyle/>
+                    <a:p>
+                      <a:pPr algn="ctr" latinLnBrk="1"/>
+                      <a:endParaRPr lang="ko-KR" altLang="en-US"/>
+                    </a:p>
+                  </a:txBody>
+                  <a:tcPr anchor="ctr"/>
+                </a:tc>
+                <a:extLst>
+                  <a:ext uri="{0D108BD9-81ED-4DB2-BD59-A6C34878D82A}">
+                    <a16:rowId xmlns:a16="http://schemas.microsoft.com/office/drawing/2014/main" val="1970236003"/>
+                  </a:ext>
+                </a:extLst>
+              </a:tr>
+              <a:tr h="534336">
+                <a:tc>
+                  <a:txBody>
+                    <a:bodyPr/>
+                    <a:lstStyle/>
+                    <a:p>
+                      <a:pPr algn="ctr" latinLnBrk="1"/>
+                      <a:endParaRPr lang="ko-KR" altLang="en-US"/>
+                    </a:p>
+                  </a:txBody>
+                  <a:tcPr anchor="ctr"/>
+                </a:tc>
+                <a:tc>
+                  <a:txBody>
+                    <a:bodyPr/>
+                    <a:lstStyle/>
+                    <a:p>
+                      <a:pPr algn="ctr" latinLnBrk="1"/>
+                      <a:r>
+                        <a:rPr lang="en-US" altLang="ko-KR" dirty="0"/>
+                        <a:t>4</a:t>
+                      </a:r>
+                      <a:endParaRPr lang="ko-KR" altLang="en-US" dirty="0"/>
+                    </a:p>
+                  </a:txBody>
+                  <a:tcPr anchor="ctr"/>
+                </a:tc>
+                <a:tc>
+                  <a:txBody>
+                    <a:bodyPr/>
+                    <a:lstStyle/>
+                    <a:p>
+                      <a:pPr algn="ctr" latinLnBrk="1"/>
+                      <a:r>
+                        <a:rPr lang="en-US" altLang="ko-KR" dirty="0"/>
+                        <a:t>1</a:t>
+                      </a:r>
+                      <a:endParaRPr lang="ko-KR" altLang="en-US" dirty="0"/>
+                    </a:p>
+                  </a:txBody>
+                  <a:tcPr anchor="ctr"/>
+                </a:tc>
+                <a:tc>
+                  <a:txBody>
+                    <a:bodyPr/>
+                    <a:lstStyle/>
+                    <a:p>
+                      <a:pPr algn="ctr" latinLnBrk="1"/>
+                      <a:endParaRPr lang="ko-KR" altLang="en-US"/>
+                    </a:p>
+                  </a:txBody>
+                  <a:tcPr anchor="ctr"/>
+                </a:tc>
+                <a:tc>
+                  <a:txBody>
+                    <a:bodyPr/>
+                    <a:lstStyle/>
+                    <a:p>
+                      <a:pPr algn="ctr" latinLnBrk="1"/>
+                      <a:endParaRPr lang="ko-KR" altLang="en-US"/>
+                    </a:p>
+                  </a:txBody>
+                  <a:tcPr anchor="ctr"/>
+                </a:tc>
+                <a:extLst>
+                  <a:ext uri="{0D108BD9-81ED-4DB2-BD59-A6C34878D82A}">
+                    <a16:rowId xmlns:a16="http://schemas.microsoft.com/office/drawing/2014/main" val="1941619480"/>
+                  </a:ext>
+                </a:extLst>
+              </a:tr>
+              <a:tr h="534336">
+                <a:tc>
+                  <a:txBody>
+                    <a:bodyPr/>
+                    <a:lstStyle/>
+                    <a:p>
+                      <a:pPr algn="ctr" latinLnBrk="1"/>
+                      <a:endParaRPr lang="ko-KR" altLang="en-US"/>
+                    </a:p>
+                  </a:txBody>
+                  <a:tcPr anchor="ctr"/>
+                </a:tc>
+                <a:tc>
+                  <a:txBody>
+                    <a:bodyPr/>
+                    <a:lstStyle/>
+                    <a:p>
+                      <a:pPr algn="ctr" latinLnBrk="1"/>
+                      <a:endParaRPr lang="ko-KR" altLang="en-US"/>
+                    </a:p>
+                  </a:txBody>
+                  <a:tcPr anchor="ctr"/>
+                </a:tc>
+                <a:tc>
+                  <a:txBody>
+                    <a:bodyPr/>
+                    <a:lstStyle/>
+                    <a:p>
+                      <a:pPr algn="ctr" latinLnBrk="1"/>
+                      <a:r>
+                        <a:rPr lang="en-US" altLang="ko-KR" dirty="0"/>
+                        <a:t>START</a:t>
+                      </a:r>
+                      <a:endParaRPr lang="ko-KR" altLang="en-US" dirty="0"/>
+                    </a:p>
+                  </a:txBody>
+                  <a:tcPr anchor="ctr">
+                    <a:solidFill>
+                      <a:srgbClr val="FFFF00"/>
+                    </a:solidFill>
+                  </a:tcPr>
+                </a:tc>
+                <a:tc>
+                  <a:txBody>
+                    <a:bodyPr/>
+                    <a:lstStyle/>
+                    <a:p>
+                      <a:pPr algn="ctr" latinLnBrk="1"/>
+                      <a:endParaRPr lang="ko-KR" altLang="en-US"/>
+                    </a:p>
+                  </a:txBody>
+                  <a:tcPr anchor="ctr"/>
+                </a:tc>
+                <a:tc>
+                  <a:txBody>
+                    <a:bodyPr/>
+                    <a:lstStyle/>
+                    <a:p>
+                      <a:pPr algn="ctr" latinLnBrk="1"/>
+                      <a:endParaRPr lang="ko-KR" altLang="en-US"/>
+                    </a:p>
+                  </a:txBody>
+                  <a:tcPr anchor="ctr"/>
+                </a:tc>
+                <a:extLst>
+                  <a:ext uri="{0D108BD9-81ED-4DB2-BD59-A6C34878D82A}">
+                    <a16:rowId xmlns:a16="http://schemas.microsoft.com/office/drawing/2014/main" val="2262015129"/>
+                  </a:ext>
+                </a:extLst>
+              </a:tr>
+              <a:tr h="534336">
+                <a:tc>
+                  <a:txBody>
+                    <a:bodyPr/>
+                    <a:lstStyle/>
+                    <a:p>
+                      <a:pPr algn="ctr" latinLnBrk="1"/>
+                      <a:endParaRPr lang="ko-KR" altLang="en-US"/>
+                    </a:p>
+                  </a:txBody>
+                  <a:tcPr anchor="ctr"/>
+                </a:tc>
+                <a:tc>
+                  <a:txBody>
+                    <a:bodyPr/>
+                    <a:lstStyle/>
+                    <a:p>
+                      <a:pPr algn="ctr" latinLnBrk="1"/>
+                      <a:endParaRPr lang="ko-KR" altLang="en-US" dirty="0"/>
+                    </a:p>
+                  </a:txBody>
+                  <a:tcPr anchor="ctr"/>
+                </a:tc>
+                <a:tc>
+                  <a:txBody>
+                    <a:bodyPr/>
+                    <a:lstStyle/>
+                    <a:p>
+                      <a:pPr algn="ctr" latinLnBrk="1"/>
+                      <a:r>
+                        <a:rPr lang="en-US" altLang="ko-KR" dirty="0"/>
+                        <a:t>2</a:t>
+                      </a:r>
+                      <a:endParaRPr lang="ko-KR" altLang="en-US" dirty="0"/>
+                    </a:p>
+                  </a:txBody>
+                  <a:tcPr anchor="ctr"/>
+                </a:tc>
+                <a:tc>
+                  <a:txBody>
+                    <a:bodyPr/>
+                    <a:lstStyle/>
+                    <a:p>
+                      <a:pPr algn="ctr" latinLnBrk="1"/>
+                      <a:r>
+                        <a:rPr lang="en-US" altLang="ko-KR" dirty="0"/>
+                        <a:t>5</a:t>
+                      </a:r>
+                      <a:endParaRPr lang="ko-KR" altLang="en-US" dirty="0"/>
+                    </a:p>
+                  </a:txBody>
+                  <a:tcPr anchor="ctr"/>
+                </a:tc>
+                <a:tc>
+                  <a:txBody>
+                    <a:bodyPr/>
+                    <a:lstStyle/>
+                    <a:p>
+                      <a:pPr algn="ctr" latinLnBrk="1"/>
+                      <a:endParaRPr lang="ko-KR" altLang="en-US"/>
+                    </a:p>
+                  </a:txBody>
+                  <a:tcPr anchor="ctr"/>
+                </a:tc>
+                <a:extLst>
+                  <a:ext uri="{0D108BD9-81ED-4DB2-BD59-A6C34878D82A}">
+                    <a16:rowId xmlns:a16="http://schemas.microsoft.com/office/drawing/2014/main" val="3909715957"/>
+                  </a:ext>
+                </a:extLst>
+              </a:tr>
+              <a:tr h="534336">
+                <a:tc>
+                  <a:txBody>
+                    <a:bodyPr/>
+                    <a:lstStyle/>
+                    <a:p>
+                      <a:pPr algn="ctr" latinLnBrk="1"/>
+                      <a:endParaRPr lang="ko-KR" altLang="en-US"/>
+                    </a:p>
+                  </a:txBody>
+                  <a:tcPr anchor="ctr"/>
+                </a:tc>
+                <a:tc>
+                  <a:txBody>
+                    <a:bodyPr/>
+                    <a:lstStyle/>
+                    <a:p>
+                      <a:pPr algn="ctr" latinLnBrk="1"/>
+                      <a:endParaRPr lang="ko-KR" altLang="en-US"/>
+                    </a:p>
+                  </a:txBody>
+                  <a:tcPr anchor="ctr"/>
+                </a:tc>
+                <a:tc>
+                  <a:txBody>
+                    <a:bodyPr/>
+                    <a:lstStyle/>
+                    <a:p>
+                      <a:pPr algn="ctr" latinLnBrk="1"/>
+                      <a:endParaRPr lang="ko-KR" altLang="en-US" dirty="0"/>
+                    </a:p>
+                  </a:txBody>
+                  <a:tcPr anchor="ctr"/>
+                </a:tc>
+                <a:tc>
+                  <a:txBody>
+                    <a:bodyPr/>
+                    <a:lstStyle/>
+                    <a:p>
+                      <a:pPr algn="ctr" latinLnBrk="1"/>
+                      <a:endParaRPr lang="ko-KR" altLang="en-US" dirty="0"/>
+                    </a:p>
+                  </a:txBody>
+                  <a:tcPr anchor="ctr"/>
+                </a:tc>
+                <a:tc>
+                  <a:txBody>
+                    <a:bodyPr/>
+                    <a:lstStyle/>
+                    <a:p>
+                      <a:pPr algn="ctr" latinLnBrk="1"/>
+                      <a:endParaRPr lang="ko-KR" altLang="en-US" dirty="0"/>
+                    </a:p>
+                  </a:txBody>
+                  <a:tcPr anchor="ctr"/>
+                </a:tc>
+                <a:extLst>
+                  <a:ext uri="{0D108BD9-81ED-4DB2-BD59-A6C34878D82A}">
+                    <a16:rowId xmlns:a16="http://schemas.microsoft.com/office/drawing/2014/main" val="1904378427"/>
+                  </a:ext>
+                </a:extLst>
+              </a:tr>
+            </a:tbl>
+          </a:graphicData>
+        </a:graphic>
+      </p:graphicFrame>
+      <p:cxnSp>
+        <p:nvCxnSpPr>
+          <p:cNvPr id="9" name="직선 화살표 연결선 8">
+            <a:extLst>
+              <a:ext uri="{FF2B5EF4-FFF2-40B4-BE49-F238E27FC236}">
+                <a16:creationId xmlns:a16="http://schemas.microsoft.com/office/drawing/2014/main" id="{D08B078B-3ECF-32C2-B874-9B570FAC1F2B}"/>
+              </a:ext>
+            </a:extLst>
+          </p:cNvPr>
+          <p:cNvCxnSpPr>
+            <a:cxnSpLocks/>
+          </p:cNvCxnSpPr>
+          <p:nvPr/>
+        </p:nvCxnSpPr>
+        <p:spPr>
+          <a:xfrm flipV="1">
+            <a:off x="5514276" y="4374425"/>
+            <a:ext cx="0" cy="239675"/>
+          </a:xfrm>
+          <a:prstGeom prst="straightConnector1">
+            <a:avLst/>
+          </a:prstGeom>
+          <a:ln w="28575">
+            <a:solidFill>
+              <a:srgbClr val="FF0000"/>
+            </a:solidFill>
+            <a:tailEnd type="triangle"/>
+          </a:ln>
+        </p:spPr>
+        <p:style>
+          <a:lnRef idx="1">
+            <a:schemeClr val="accent1"/>
+          </a:lnRef>
+          <a:fillRef idx="0">
+            <a:schemeClr val="accent1"/>
+          </a:fillRef>
+          <a:effectRef idx="0">
+            <a:schemeClr val="accent1"/>
+          </a:effectRef>
+          <a:fontRef idx="minor">
+            <a:schemeClr val="tx1"/>
+          </a:fontRef>
+        </p:style>
+      </p:cxnSp>
+      <p:cxnSp>
+        <p:nvCxnSpPr>
+          <p:cNvPr id="13" name="직선 화살표 연결선 12">
+            <a:extLst>
+              <a:ext uri="{FF2B5EF4-FFF2-40B4-BE49-F238E27FC236}">
+                <a16:creationId xmlns:a16="http://schemas.microsoft.com/office/drawing/2014/main" id="{6303DE5A-3914-7320-BEEB-9A8B71679F8A}"/>
+              </a:ext>
+            </a:extLst>
+          </p:cNvPr>
+          <p:cNvCxnSpPr>
+            <a:cxnSpLocks/>
+          </p:cNvCxnSpPr>
+          <p:nvPr/>
+        </p:nvCxnSpPr>
+        <p:spPr>
+          <a:xfrm>
+            <a:off x="5980205" y="5875273"/>
+            <a:ext cx="332002" cy="0"/>
+          </a:xfrm>
+          <a:prstGeom prst="straightConnector1">
+            <a:avLst/>
+          </a:prstGeom>
+          <a:ln w="28575">
+            <a:solidFill>
+              <a:srgbClr val="FF0000"/>
+            </a:solidFill>
+            <a:tailEnd type="triangle"/>
+          </a:ln>
+        </p:spPr>
+        <p:style>
+          <a:lnRef idx="1">
+            <a:schemeClr val="accent1"/>
+          </a:lnRef>
+          <a:fillRef idx="0">
+            <a:schemeClr val="accent1"/>
+          </a:fillRef>
+          <a:effectRef idx="0">
+            <a:schemeClr val="accent1"/>
+          </a:effectRef>
+          <a:fontRef idx="minor">
+            <a:schemeClr val="tx1"/>
+          </a:fontRef>
+        </p:style>
+      </p:cxnSp>
+      <p:cxnSp>
+        <p:nvCxnSpPr>
+          <p:cNvPr id="15" name="직선 화살표 연결선 14">
+            <a:extLst>
+              <a:ext uri="{FF2B5EF4-FFF2-40B4-BE49-F238E27FC236}">
+                <a16:creationId xmlns:a16="http://schemas.microsoft.com/office/drawing/2014/main" id="{D368570A-391F-E1BB-A05C-06B5B2D71E05}"/>
+              </a:ext>
+            </a:extLst>
+          </p:cNvPr>
+          <p:cNvCxnSpPr>
+            <a:cxnSpLocks/>
+          </p:cNvCxnSpPr>
+          <p:nvPr/>
+        </p:nvCxnSpPr>
+        <p:spPr>
+          <a:xfrm flipH="1">
+            <a:off x="4679300" y="4771118"/>
+            <a:ext cx="332002" cy="0"/>
+          </a:xfrm>
+          <a:prstGeom prst="straightConnector1">
+            <a:avLst/>
+          </a:prstGeom>
+          <a:ln w="28575">
+            <a:solidFill>
+              <a:srgbClr val="FF0000"/>
+            </a:solidFill>
+            <a:tailEnd type="triangle"/>
+          </a:ln>
+        </p:spPr>
+        <p:style>
+          <a:lnRef idx="1">
+            <a:schemeClr val="accent1"/>
+          </a:lnRef>
+          <a:fillRef idx="0">
+            <a:schemeClr val="accent1"/>
+          </a:fillRef>
+          <a:effectRef idx="0">
+            <a:schemeClr val="accent1"/>
+          </a:effectRef>
+          <a:fontRef idx="minor">
+            <a:schemeClr val="tx1"/>
+          </a:fontRef>
+        </p:style>
+      </p:cxnSp>
+      <p:cxnSp>
+        <p:nvCxnSpPr>
+          <p:cNvPr id="23" name="직선 화살표 연결선 22">
+            <a:extLst>
+              <a:ext uri="{FF2B5EF4-FFF2-40B4-BE49-F238E27FC236}">
+                <a16:creationId xmlns:a16="http://schemas.microsoft.com/office/drawing/2014/main" id="{C230928B-8D7C-9B2C-C123-3CF4B8ED07A0}"/>
+              </a:ext>
+            </a:extLst>
+          </p:cNvPr>
+          <p:cNvCxnSpPr>
+            <a:cxnSpLocks/>
+          </p:cNvCxnSpPr>
+          <p:nvPr/>
+        </p:nvCxnSpPr>
+        <p:spPr>
+          <a:xfrm flipV="1">
+            <a:off x="5514276" y="4925177"/>
+            <a:ext cx="0" cy="239675"/>
+          </a:xfrm>
+          <a:prstGeom prst="straightConnector1">
+            <a:avLst/>
+          </a:prstGeom>
+          <a:ln w="28575">
+            <a:solidFill>
+              <a:srgbClr val="FF0000"/>
+            </a:solidFill>
+            <a:tailEnd type="triangle"/>
+          </a:ln>
+        </p:spPr>
+        <p:style>
+          <a:lnRef idx="1">
+            <a:schemeClr val="accent1"/>
+          </a:lnRef>
+          <a:fillRef idx="0">
+            <a:schemeClr val="accent1"/>
+          </a:fillRef>
+          <a:effectRef idx="0">
+            <a:schemeClr val="accent1"/>
+          </a:effectRef>
+          <a:fontRef idx="minor">
+            <a:schemeClr val="tx1"/>
+          </a:fontRef>
+        </p:style>
+      </p:cxnSp>
+      <p:cxnSp>
+        <p:nvCxnSpPr>
+          <p:cNvPr id="24" name="직선 화살표 연결선 23">
+            <a:extLst>
+              <a:ext uri="{FF2B5EF4-FFF2-40B4-BE49-F238E27FC236}">
+                <a16:creationId xmlns:a16="http://schemas.microsoft.com/office/drawing/2014/main" id="{54B840DF-0692-CE67-A30F-0121559452F4}"/>
+              </a:ext>
+            </a:extLst>
+          </p:cNvPr>
+          <p:cNvCxnSpPr>
+            <a:cxnSpLocks/>
+          </p:cNvCxnSpPr>
+          <p:nvPr/>
+        </p:nvCxnSpPr>
+        <p:spPr>
+          <a:xfrm flipV="1">
+            <a:off x="5514276" y="5430662"/>
+            <a:ext cx="0" cy="239675"/>
+          </a:xfrm>
+          <a:prstGeom prst="straightConnector1">
+            <a:avLst/>
+          </a:prstGeom>
+          <a:ln w="28575">
+            <a:solidFill>
+              <a:srgbClr val="FF0000"/>
+            </a:solidFill>
+            <a:headEnd type="triangle"/>
+            <a:tailEnd type="none"/>
+          </a:ln>
+        </p:spPr>
+        <p:style>
+          <a:lnRef idx="1">
+            <a:schemeClr val="accent1"/>
+          </a:lnRef>
+          <a:fillRef idx="0">
+            <a:schemeClr val="accent1"/>
+          </a:fillRef>
+          <a:effectRef idx="0">
+            <a:schemeClr val="accent1"/>
+          </a:effectRef>
+          <a:fontRef idx="minor">
+            <a:schemeClr val="tx1"/>
+          </a:fontRef>
+        </p:style>
+      </p:cxnSp>
+    </p:spTree>
+    <p:extLst>
+      <p:ext uri="{BB962C8B-B14F-4D97-AF65-F5344CB8AC3E}">
+        <p14:creationId xmlns:p14="http://schemas.microsoft.com/office/powerpoint/2010/main" val="4065988385"/>
+      </p:ext>
+    </p:extLst>
+  </p:cSld>
+  <p:clrMapOvr>
+    <a:masterClrMapping/>
+  </p:clrMapOvr>
+</p:sld>
+</file>
+
+<file path=ppt/slides/slide11.xml><?xml version="1.0" encoding="utf-8"?>
+<p:sld xmlns:a="http://schemas.openxmlformats.org/drawingml/2006/main" xmlns:r="http://schemas.openxmlformats.org/officeDocument/2006/relationships" xmlns:p="http://schemas.openxmlformats.org/presentationml/2006/main">
+  <p:cSld>
+    <p:spTree>
+      <p:nvGrpSpPr>
+        <p:cNvPr id="1" name="">
+          <a:extLst>
+            <a:ext uri="{FF2B5EF4-FFF2-40B4-BE49-F238E27FC236}">
+              <a16:creationId xmlns:a16="http://schemas.microsoft.com/office/drawing/2014/main" id="{28C5971E-14C7-75C8-09B3-63C1325B166E}"/>
+            </a:ext>
+          </a:extLst>
+        </p:cNvPr>
+        <p:cNvGrpSpPr/>
+        <p:nvPr/>
+      </p:nvGrpSpPr>
+      <p:grpSpPr>
+        <a:xfrm>
+          <a:off x="0" y="0"/>
+          <a:ext cx="0" cy="0"/>
+          <a:chOff x="0" y="0"/>
+          <a:chExt cx="0" cy="0"/>
+        </a:xfrm>
+      </p:grpSpPr>
+      <p:sp>
+        <p:nvSpPr>
+          <p:cNvPr id="2" name="제목 1">
+            <a:extLst>
+              <a:ext uri="{FF2B5EF4-FFF2-40B4-BE49-F238E27FC236}">
+                <a16:creationId xmlns:a16="http://schemas.microsoft.com/office/drawing/2014/main" id="{A23A43F6-D6E9-E9F8-A253-2BAC27EB85BC}"/>
+              </a:ext>
+            </a:extLst>
+          </p:cNvPr>
+          <p:cNvSpPr>
+            <a:spLocks noGrp="1"/>
+          </p:cNvSpPr>
+          <p:nvPr>
+            <p:ph type="title"/>
+          </p:nvPr>
+        </p:nvSpPr>
+        <p:spPr/>
+        <p:txBody>
+          <a:bodyPr/>
+          <a:lstStyle/>
+          <a:p>
+            <a:r>
+              <a:rPr lang="ko-KR" altLang="en-US" dirty="0"/>
+              <a:t>구현 내용 </a:t>
+            </a:r>
+            <a:r>
+              <a:rPr lang="en-US" altLang="ko-KR" dirty="0"/>
+              <a:t>– </a:t>
+            </a:r>
+            <a:r>
+              <a:rPr lang="ko-KR" altLang="en-US" dirty="0"/>
+              <a:t>황규영 </a:t>
+            </a:r>
+            <a:r>
+              <a:rPr lang="en-US" altLang="ko-KR" dirty="0"/>
+              <a:t>– </a:t>
+            </a:r>
+            <a:r>
+              <a:rPr lang="ko-KR" altLang="en-US" dirty="0" err="1"/>
+              <a:t>셰이더</a:t>
+            </a:r>
+            <a:endParaRPr lang="ko-KR" altLang="en-US" dirty="0"/>
+          </a:p>
+        </p:txBody>
+      </p:sp>
+      <p:sp>
+        <p:nvSpPr>
+          <p:cNvPr id="3" name="내용 개체 틀 2">
+            <a:extLst>
+              <a:ext uri="{FF2B5EF4-FFF2-40B4-BE49-F238E27FC236}">
+                <a16:creationId xmlns:a16="http://schemas.microsoft.com/office/drawing/2014/main" id="{0E236097-8259-C219-F43F-B26ABE487F2F}"/>
+              </a:ext>
+            </a:extLst>
+          </p:cNvPr>
+          <p:cNvSpPr>
+            <a:spLocks noGrp="1"/>
+          </p:cNvSpPr>
+          <p:nvPr>
+            <p:ph idx="1"/>
+          </p:nvPr>
+        </p:nvSpPr>
+        <p:spPr/>
+        <p:txBody>
+          <a:bodyPr/>
+          <a:lstStyle/>
+          <a:p>
+            <a:r>
+              <a:rPr lang="ko-KR" altLang="en-US" dirty="0" err="1"/>
+              <a:t>스프라이트의</a:t>
+            </a:r>
+            <a:r>
+              <a:rPr lang="en-US" altLang="ko-KR" dirty="0"/>
+              <a:t> </a:t>
+            </a:r>
+            <a:r>
+              <a:rPr lang="ko-KR" altLang="en-US" dirty="0"/>
+              <a:t>셋 컬러로는 기존 </a:t>
+            </a:r>
+            <a:r>
+              <a:rPr lang="ko-KR" altLang="en-US" dirty="0" err="1"/>
+              <a:t>텍스쳐의</a:t>
+            </a:r>
+            <a:r>
+              <a:rPr lang="ko-KR" altLang="en-US" dirty="0"/>
+              <a:t> 픽셀 값을 넘어설 수 없음</a:t>
+            </a:r>
+            <a:endParaRPr lang="en-US" altLang="ko-KR" dirty="0"/>
+          </a:p>
+          <a:p>
+            <a:r>
+              <a:rPr lang="ko-KR" altLang="en-US" dirty="0" err="1"/>
+              <a:t>셰이더를</a:t>
+            </a:r>
+            <a:r>
+              <a:rPr lang="ko-KR" altLang="en-US" dirty="0"/>
+              <a:t> 통해 </a:t>
+            </a:r>
+            <a:r>
+              <a:rPr lang="ko-KR" altLang="en-US" dirty="0" err="1"/>
+              <a:t>텍스쳐의</a:t>
+            </a:r>
+            <a:r>
+              <a:rPr lang="ko-KR" altLang="en-US" dirty="0"/>
+              <a:t> 픽셀 값을 넘어서도록 함</a:t>
+            </a:r>
+            <a:endParaRPr lang="en-US" altLang="ko-KR" dirty="0"/>
+          </a:p>
+        </p:txBody>
+      </p:sp>
+      <p:pic>
+        <p:nvPicPr>
+          <p:cNvPr id="8" name="그림 7">
+            <a:extLst>
+              <a:ext uri="{FF2B5EF4-FFF2-40B4-BE49-F238E27FC236}">
+                <a16:creationId xmlns:a16="http://schemas.microsoft.com/office/drawing/2014/main" id="{73DCCAE4-E62F-BC20-E136-B1DB7DE7FDDA}"/>
+              </a:ext>
+            </a:extLst>
+          </p:cNvPr>
+          <p:cNvPicPr>
+            <a:picLocks noChangeAspect="1"/>
+          </p:cNvPicPr>
+          <p:nvPr/>
+        </p:nvPicPr>
+        <p:blipFill>
+          <a:blip r:embed="rId2"/>
+          <a:stretch>
+            <a:fillRect/>
+          </a:stretch>
+        </p:blipFill>
+        <p:spPr>
+          <a:xfrm>
+            <a:off x="769813" y="3029820"/>
+            <a:ext cx="6127683" cy="2791641"/>
+          </a:xfrm>
+          <a:prstGeom prst="rect">
+            <a:avLst/>
+          </a:prstGeom>
+        </p:spPr>
+      </p:pic>
+      <p:pic>
+        <p:nvPicPr>
+          <p:cNvPr id="11" name="그림 10">
+            <a:extLst>
+              <a:ext uri="{FF2B5EF4-FFF2-40B4-BE49-F238E27FC236}">
+                <a16:creationId xmlns:a16="http://schemas.microsoft.com/office/drawing/2014/main" id="{AB7C903D-E221-2221-38A0-552A0A068EC0}"/>
+              </a:ext>
+            </a:extLst>
+          </p:cNvPr>
+          <p:cNvPicPr>
+            <a:picLocks noChangeAspect="1"/>
+          </p:cNvPicPr>
+          <p:nvPr/>
+        </p:nvPicPr>
+        <p:blipFill>
+          <a:blip r:embed="rId3"/>
+          <a:stretch>
+            <a:fillRect/>
+          </a:stretch>
+        </p:blipFill>
+        <p:spPr>
+          <a:xfrm>
+            <a:off x="7389555" y="4224990"/>
+            <a:ext cx="2142857" cy="1742857"/>
+          </a:xfrm>
+          <a:prstGeom prst="rect">
+            <a:avLst/>
+          </a:prstGeom>
+        </p:spPr>
+      </p:pic>
+      <p:pic>
+        <p:nvPicPr>
+          <p:cNvPr id="14" name="그림 13">
+            <a:extLst>
+              <a:ext uri="{FF2B5EF4-FFF2-40B4-BE49-F238E27FC236}">
+                <a16:creationId xmlns:a16="http://schemas.microsoft.com/office/drawing/2014/main" id="{3BA077B0-0D63-D598-B520-EC8C7DEB9FA5}"/>
+              </a:ext>
+            </a:extLst>
+          </p:cNvPr>
+          <p:cNvPicPr>
+            <a:picLocks noChangeAspect="1"/>
+          </p:cNvPicPr>
+          <p:nvPr/>
+        </p:nvPicPr>
+        <p:blipFill>
+          <a:blip r:embed="rId4"/>
+          <a:stretch>
+            <a:fillRect/>
+          </a:stretch>
+        </p:blipFill>
+        <p:spPr>
+          <a:xfrm>
+            <a:off x="9614702" y="4224989"/>
+            <a:ext cx="1454923" cy="1733949"/>
+          </a:xfrm>
+          <a:prstGeom prst="rect">
+            <a:avLst/>
+          </a:prstGeom>
+        </p:spPr>
+      </p:pic>
+      <p:pic>
+        <p:nvPicPr>
+          <p:cNvPr id="17" name="그림 16">
+            <a:extLst>
+              <a:ext uri="{FF2B5EF4-FFF2-40B4-BE49-F238E27FC236}">
+                <a16:creationId xmlns:a16="http://schemas.microsoft.com/office/drawing/2014/main" id="{FD3C156D-6519-72CE-4F1C-FB2D46ACB53B}"/>
+              </a:ext>
+            </a:extLst>
+          </p:cNvPr>
+          <p:cNvPicPr>
+            <a:picLocks noChangeAspect="1"/>
+          </p:cNvPicPr>
+          <p:nvPr/>
+        </p:nvPicPr>
+        <p:blipFill>
+          <a:blip r:embed="rId5"/>
+          <a:stretch>
+            <a:fillRect/>
+          </a:stretch>
+        </p:blipFill>
+        <p:spPr>
+          <a:xfrm>
+            <a:off x="769813" y="5958939"/>
+            <a:ext cx="6294922" cy="659053"/>
+          </a:xfrm>
+          <a:prstGeom prst="rect">
+            <a:avLst/>
+          </a:prstGeom>
+        </p:spPr>
+      </p:pic>
+    </p:spTree>
+    <p:extLst>
+      <p:ext uri="{BB962C8B-B14F-4D97-AF65-F5344CB8AC3E}">
+        <p14:creationId xmlns:p14="http://schemas.microsoft.com/office/powerpoint/2010/main" val="1351261721"/>
+      </p:ext>
+    </p:extLst>
+  </p:cSld>
+  <p:clrMapOvr>
+    <a:masterClrMapping/>
+  </p:clrMapOvr>
+</p:sld>
+</file>
+
+<file path=ppt/slides/slide12.xml><?xml version="1.0" encoding="utf-8"?>
+<p:sld xmlns:a="http://schemas.openxmlformats.org/drawingml/2006/main" xmlns:r="http://schemas.openxmlformats.org/officeDocument/2006/relationships" xmlns:p="http://schemas.openxmlformats.org/presentationml/2006/main">
+  <p:cSld>
+    <p:spTree>
+      <p:nvGrpSpPr>
+        <p:cNvPr id="1" name=""/>
+        <p:cNvGrpSpPr/>
+        <p:nvPr/>
+      </p:nvGrpSpPr>
+      <p:grpSpPr>
+        <a:xfrm>
+          <a:off x="0" y="0"/>
+          <a:ext cx="0" cy="0"/>
+          <a:chOff x="0" y="0"/>
+          <a:chExt cx="0" cy="0"/>
+        </a:xfrm>
+      </p:grpSpPr>
+      <p:sp>
+        <p:nvSpPr>
+          <p:cNvPr id="2" name="제목 1">
+            <a:extLst>
+              <a:ext uri="{FF2B5EF4-FFF2-40B4-BE49-F238E27FC236}">
+                <a16:creationId xmlns:a16="http://schemas.microsoft.com/office/drawing/2014/main" id="{EDA8DB17-7539-0EF3-E9C8-F2244548F708}"/>
+              </a:ext>
+            </a:extLst>
+          </p:cNvPr>
+          <p:cNvSpPr>
+            <a:spLocks noGrp="1"/>
+          </p:cNvSpPr>
+          <p:nvPr>
+            <p:ph type="title"/>
+          </p:nvPr>
+        </p:nvSpPr>
+        <p:spPr/>
+        <p:txBody>
+          <a:bodyPr/>
+          <a:lstStyle/>
+          <a:p>
+            <a:r>
+              <a:rPr lang="ko-KR" altLang="en-US" dirty="0"/>
+              <a:t>잘한 점 </a:t>
+            </a:r>
+            <a:r>
+              <a:rPr lang="en-US" altLang="ko-KR" dirty="0"/>
+              <a:t>– </a:t>
+            </a:r>
+            <a:r>
+              <a:rPr lang="ko-KR" altLang="en-US" dirty="0"/>
+              <a:t>팀</a:t>
+            </a:r>
+          </a:p>
+        </p:txBody>
+      </p:sp>
+      <p:sp>
+        <p:nvSpPr>
+          <p:cNvPr id="3" name="내용 개체 틀 2">
+            <a:extLst>
+              <a:ext uri="{FF2B5EF4-FFF2-40B4-BE49-F238E27FC236}">
+                <a16:creationId xmlns:a16="http://schemas.microsoft.com/office/drawing/2014/main" id="{27A526C7-6A5C-8A0A-1DD1-0D71594327FC}"/>
+              </a:ext>
+            </a:extLst>
+          </p:cNvPr>
+          <p:cNvSpPr>
+            <a:spLocks noGrp="1"/>
+          </p:cNvSpPr>
+          <p:nvPr>
+            <p:ph idx="1"/>
+          </p:nvPr>
+        </p:nvSpPr>
+        <p:spPr>
+          <a:xfrm>
+            <a:off x="1261872" y="1828800"/>
+            <a:ext cx="8595360" cy="1502875"/>
+          </a:xfrm>
+        </p:spPr>
+        <p:txBody>
+          <a:bodyPr>
+            <a:normAutofit/>
+          </a:bodyPr>
+          <a:lstStyle/>
+          <a:p>
+            <a:r>
+              <a:rPr lang="ko-KR" altLang="en-US" dirty="0"/>
+              <a:t>깃으로 협업을 하면서 큰 문제가 발생하지 않음</a:t>
+            </a:r>
+            <a:endParaRPr lang="en-US" altLang="ko-KR" dirty="0"/>
+          </a:p>
+          <a:p>
+            <a:r>
+              <a:rPr lang="ko-KR" altLang="en-US" dirty="0"/>
+              <a:t>모두 같이 협동심 있게 작업함</a:t>
+            </a:r>
+            <a:endParaRPr lang="en-US" altLang="ko-KR" dirty="0"/>
+          </a:p>
+          <a:p>
+            <a:r>
+              <a:rPr lang="ko-KR" altLang="en-US" dirty="0"/>
+              <a:t>작업 분담 및 분담 파트에 대한 존중을 함</a:t>
+            </a:r>
+            <a:endParaRPr lang="en-US" altLang="ko-KR" dirty="0"/>
+          </a:p>
+          <a:p>
+            <a:endParaRPr lang="en-US" altLang="ko-KR" dirty="0"/>
+          </a:p>
+        </p:txBody>
+      </p:sp>
+      <p:sp>
+        <p:nvSpPr>
+          <p:cNvPr id="6" name="제목 1">
+            <a:extLst>
+              <a:ext uri="{FF2B5EF4-FFF2-40B4-BE49-F238E27FC236}">
+                <a16:creationId xmlns:a16="http://schemas.microsoft.com/office/drawing/2014/main" id="{226A3D37-7F4F-2E29-BFCD-C23D16A6CDE0}"/>
+              </a:ext>
+            </a:extLst>
+          </p:cNvPr>
+          <p:cNvSpPr txBox="1">
+            <a:spLocks/>
+          </p:cNvSpPr>
+          <p:nvPr/>
+        </p:nvSpPr>
+        <p:spPr>
+          <a:xfrm>
+            <a:off x="1261872" y="2926381"/>
+            <a:ext cx="9692640" cy="1325562"/>
+          </a:xfrm>
+          <a:prstGeom prst="rect">
+            <a:avLst/>
+          </a:prstGeom>
+        </p:spPr>
+        <p:txBody>
+          <a:bodyPr vert="horz" lIns="91440" tIns="45720" rIns="91440" bIns="45720" rtlCol="0" anchor="b">
+            <a:normAutofit/>
+          </a:bodyPr>
+          <a:lstStyle>
+            <a:lvl1pPr algn="l" defTabSz="914400" rtl="0" eaLnBrk="1" latinLnBrk="1" hangingPunct="1">
+              <a:lnSpc>
+                <a:spcPct val="90000"/>
+              </a:lnSpc>
+              <a:spcBef>
+                <a:spcPct val="0"/>
+              </a:spcBef>
+              <a:buNone/>
+              <a:defRPr sz="4400" kern="1200" spc="-50" baseline="0">
+                <a:solidFill>
+                  <a:schemeClr val="tx1"/>
+                </a:solidFill>
+                <a:latin typeface="+mj-lt"/>
+                <a:ea typeface="+mj-ea"/>
+                <a:cs typeface="+mj-cs"/>
+              </a:defRPr>
+            </a:lvl1pPr>
+          </a:lstStyle>
+          <a:p>
+            <a:r>
+              <a:rPr lang="ko-KR" altLang="en-US" dirty="0"/>
+              <a:t>아쉬운 점 </a:t>
+            </a:r>
+            <a:r>
+              <a:rPr lang="en-US" altLang="ko-KR" dirty="0"/>
+              <a:t>– </a:t>
+            </a:r>
+            <a:r>
+              <a:rPr lang="ko-KR" altLang="en-US" dirty="0"/>
+              <a:t>팀</a:t>
+            </a:r>
+          </a:p>
+        </p:txBody>
+      </p:sp>
+      <p:sp>
+        <p:nvSpPr>
+          <p:cNvPr id="7" name="내용 개체 틀 2">
+            <a:extLst>
+              <a:ext uri="{FF2B5EF4-FFF2-40B4-BE49-F238E27FC236}">
+                <a16:creationId xmlns:a16="http://schemas.microsoft.com/office/drawing/2014/main" id="{FCD82384-87D2-8B68-0CB0-29FBAA93383F}"/>
+              </a:ext>
+            </a:extLst>
+          </p:cNvPr>
+          <p:cNvSpPr txBox="1">
+            <a:spLocks/>
+          </p:cNvSpPr>
+          <p:nvPr/>
+        </p:nvSpPr>
+        <p:spPr>
+          <a:xfrm>
+            <a:off x="1261872" y="4429256"/>
+            <a:ext cx="8595360" cy="2202707"/>
+          </a:xfrm>
+          <a:prstGeom prst="rect">
+            <a:avLst/>
+          </a:prstGeom>
+        </p:spPr>
+        <p:txBody>
+          <a:bodyPr vert="horz" lIns="91440" tIns="45720" rIns="91440" bIns="45720" rtlCol="0">
+            <a:normAutofit/>
+          </a:bodyPr>
+          <a:lstStyle>
+            <a:lvl1pPr marL="182880" indent="-182880" algn="l" defTabSz="914400" rtl="0" eaLnBrk="1" latinLnBrk="1" hangingPunct="1">
+              <a:lnSpc>
+                <a:spcPct val="95000"/>
+              </a:lnSpc>
+              <a:spcBef>
+                <a:spcPts val="1400"/>
+              </a:spcBef>
+              <a:spcAft>
+                <a:spcPts val="200"/>
+              </a:spcAft>
+              <a:buClr>
+                <a:schemeClr val="accent1"/>
+              </a:buClr>
+              <a:buSzPct val="80000"/>
+              <a:buFont typeface="Arial" pitchFamily="34" charset="0"/>
+              <a:buChar char="•"/>
+              <a:defRPr sz="1800" kern="1200" spc="10" baseline="0">
+                <a:solidFill>
+                  <a:schemeClr val="tx1"/>
+                </a:solidFill>
+                <a:latin typeface="+mn-lt"/>
+                <a:ea typeface="+mn-ea"/>
+                <a:cs typeface="+mn-cs"/>
+              </a:defRPr>
+            </a:lvl1pPr>
+            <a:lvl2pPr marL="457200" indent="-182880" algn="l" defTabSz="914400" rtl="0" eaLnBrk="1" latinLnBrk="1" hangingPunct="1">
+              <a:lnSpc>
+                <a:spcPct val="90000"/>
+              </a:lnSpc>
+              <a:spcBef>
+                <a:spcPts val="300"/>
+              </a:spcBef>
+              <a:spcAft>
+                <a:spcPts val="300"/>
+              </a:spcAft>
+              <a:buClr>
+                <a:schemeClr val="accent1"/>
+              </a:buClr>
+              <a:buFont typeface="Wingdings 2" pitchFamily="18" charset="2"/>
+              <a:buChar char=""/>
+              <a:defRPr sz="1600" kern="1200">
+                <a:solidFill>
+                  <a:schemeClr val="tx1">
+                    <a:lumMod val="85000"/>
+                    <a:lumOff val="15000"/>
+                  </a:schemeClr>
+                </a:solidFill>
+                <a:latin typeface="+mn-lt"/>
+                <a:ea typeface="+mn-ea"/>
+                <a:cs typeface="+mn-cs"/>
+              </a:defRPr>
+            </a:lvl2pPr>
+            <a:lvl3pPr marL="731520" indent="-182880" algn="l" defTabSz="914400" rtl="0" eaLnBrk="1" latinLnBrk="1" hangingPunct="1">
+              <a:lnSpc>
+                <a:spcPct val="90000"/>
+              </a:lnSpc>
+              <a:spcBef>
+                <a:spcPts val="300"/>
+              </a:spcBef>
+              <a:spcAft>
+                <a:spcPts val="300"/>
+              </a:spcAft>
+              <a:buClr>
+                <a:schemeClr val="accent1"/>
+              </a:buClr>
+              <a:buFont typeface="Wingdings 2" pitchFamily="18" charset="2"/>
+              <a:buChar char=""/>
+              <a:defRPr sz="1400" kern="1200">
+                <a:solidFill>
+                  <a:schemeClr val="tx1">
+                    <a:lumMod val="85000"/>
+                    <a:lumOff val="15000"/>
+                  </a:schemeClr>
+                </a:solidFill>
+                <a:latin typeface="+mn-lt"/>
+                <a:ea typeface="+mn-ea"/>
+                <a:cs typeface="+mn-cs"/>
+              </a:defRPr>
+            </a:lvl3pPr>
+            <a:lvl4pPr marL="1005840" indent="-182880" algn="l" defTabSz="914400" rtl="0" eaLnBrk="1" latinLnBrk="1" hangingPunct="1">
+              <a:lnSpc>
+                <a:spcPct val="90000"/>
+              </a:lnSpc>
+              <a:spcBef>
+                <a:spcPts val="300"/>
+              </a:spcBef>
+              <a:spcAft>
+                <a:spcPts val="300"/>
+              </a:spcAft>
+              <a:buClr>
+                <a:schemeClr val="accent1"/>
+              </a:buClr>
+              <a:buFont typeface="Wingdings 2" pitchFamily="18" charset="2"/>
+              <a:buChar char=""/>
+              <a:defRPr sz="1400" kern="1200">
+                <a:solidFill>
+                  <a:schemeClr val="tx1">
+                    <a:lumMod val="85000"/>
+                    <a:lumOff val="15000"/>
+                  </a:schemeClr>
+                </a:solidFill>
+                <a:latin typeface="+mn-lt"/>
+                <a:ea typeface="+mn-ea"/>
+                <a:cs typeface="+mn-cs"/>
+              </a:defRPr>
+            </a:lvl4pPr>
+            <a:lvl5pPr marL="1280160" indent="-182880" algn="l" defTabSz="914400" rtl="0" eaLnBrk="1" latinLnBrk="1" hangingPunct="1">
+              <a:lnSpc>
+                <a:spcPct val="90000"/>
+              </a:lnSpc>
+              <a:spcBef>
+                <a:spcPts val="300"/>
+              </a:spcBef>
+              <a:spcAft>
+                <a:spcPts val="300"/>
+              </a:spcAft>
+              <a:buClr>
+                <a:schemeClr val="accent1"/>
+              </a:buClr>
+              <a:buFont typeface="Wingdings 2" pitchFamily="18" charset="2"/>
+              <a:buChar char=""/>
+              <a:defRPr sz="1400" kern="1200">
+                <a:solidFill>
+                  <a:schemeClr val="tx1">
+                    <a:lumMod val="85000"/>
+                    <a:lumOff val="15000"/>
+                  </a:schemeClr>
+                </a:solidFill>
+                <a:latin typeface="+mn-lt"/>
+                <a:ea typeface="+mn-ea"/>
+                <a:cs typeface="+mn-cs"/>
+              </a:defRPr>
+            </a:lvl5pPr>
+            <a:lvl6pPr marL="1600000" indent="-228600" algn="l" defTabSz="914400" rtl="0" eaLnBrk="1" latinLnBrk="1" hangingPunct="1">
+              <a:lnSpc>
+                <a:spcPct val="90000"/>
+              </a:lnSpc>
+              <a:spcBef>
+                <a:spcPts val="300"/>
+              </a:spcBef>
+              <a:spcAft>
+                <a:spcPts val="300"/>
+              </a:spcAft>
+              <a:buClr>
+                <a:schemeClr val="accent1"/>
+              </a:buClr>
+              <a:buFont typeface="Wingdings 2" pitchFamily="18" charset="2"/>
+              <a:buChar char=""/>
+              <a:defRPr sz="1400" kern="1200">
+                <a:solidFill>
+                  <a:schemeClr val="tx1">
+                    <a:lumMod val="85000"/>
+                    <a:lumOff val="15000"/>
+                  </a:schemeClr>
+                </a:solidFill>
+                <a:latin typeface="+mn-lt"/>
+                <a:ea typeface="+mn-ea"/>
+                <a:cs typeface="+mn-cs"/>
+              </a:defRPr>
+            </a:lvl6pPr>
+            <a:lvl7pPr marL="1900000" indent="-228600" algn="l" defTabSz="914400" rtl="0" eaLnBrk="1" latinLnBrk="1" hangingPunct="1">
+              <a:lnSpc>
+                <a:spcPct val="90000"/>
+              </a:lnSpc>
+              <a:spcBef>
+                <a:spcPts val="300"/>
+              </a:spcBef>
+              <a:spcAft>
+                <a:spcPts val="300"/>
+              </a:spcAft>
+              <a:buClr>
+                <a:schemeClr val="accent1"/>
+              </a:buClr>
+              <a:buFont typeface="Wingdings 2" pitchFamily="18" charset="2"/>
+              <a:buChar char=""/>
+              <a:defRPr sz="1400" kern="1200">
+                <a:solidFill>
+                  <a:schemeClr val="tx1">
+                    <a:lumMod val="85000"/>
+                    <a:lumOff val="15000"/>
+                  </a:schemeClr>
+                </a:solidFill>
+                <a:latin typeface="+mn-lt"/>
+                <a:ea typeface="+mn-ea"/>
+                <a:cs typeface="+mn-cs"/>
+              </a:defRPr>
+            </a:lvl7pPr>
+            <a:lvl8pPr marL="2200000" indent="-228600" algn="l" defTabSz="914400" rtl="0" eaLnBrk="1" latinLnBrk="1" hangingPunct="1">
+              <a:lnSpc>
+                <a:spcPct val="90000"/>
+              </a:lnSpc>
+              <a:spcBef>
+                <a:spcPts val="300"/>
+              </a:spcBef>
+              <a:spcAft>
+                <a:spcPts val="300"/>
+              </a:spcAft>
+              <a:buClr>
+                <a:schemeClr val="accent1"/>
+              </a:buClr>
+              <a:buFont typeface="Wingdings 2" pitchFamily="18" charset="2"/>
+              <a:buChar char=""/>
+              <a:defRPr sz="1400" kern="1200">
+                <a:solidFill>
+                  <a:schemeClr val="tx1">
+                    <a:lumMod val="85000"/>
+                    <a:lumOff val="15000"/>
+                  </a:schemeClr>
+                </a:solidFill>
+                <a:latin typeface="+mn-lt"/>
+                <a:ea typeface="+mn-ea"/>
+                <a:cs typeface="+mn-cs"/>
+              </a:defRPr>
+            </a:lvl8pPr>
+            <a:lvl9pPr marL="2500000" indent="-228600" algn="l" defTabSz="914400" rtl="0" eaLnBrk="1" latinLnBrk="1" hangingPunct="1">
+              <a:lnSpc>
+                <a:spcPct val="90000"/>
+              </a:lnSpc>
+              <a:spcBef>
+                <a:spcPts val="300"/>
+              </a:spcBef>
+              <a:spcAft>
+                <a:spcPts val="300"/>
+              </a:spcAft>
+              <a:buClr>
+                <a:schemeClr val="accent1"/>
+              </a:buClr>
+              <a:buFont typeface="Wingdings 2" pitchFamily="18" charset="2"/>
+              <a:buChar char=""/>
+              <a:defRPr sz="1400" kern="1200">
+                <a:solidFill>
+                  <a:schemeClr val="tx1">
+                    <a:lumMod val="85000"/>
+                    <a:lumOff val="15000"/>
+                  </a:schemeClr>
+                </a:solidFill>
+                <a:latin typeface="+mn-lt"/>
+                <a:ea typeface="+mn-ea"/>
+                <a:cs typeface="+mn-cs"/>
+              </a:defRPr>
+            </a:lvl9pPr>
+          </a:lstStyle>
+          <a:p>
+            <a:r>
+              <a:rPr lang="ko-KR" altLang="en-US" dirty="0"/>
+              <a:t>작업 시간이 촉박하여 원작 기능 구현에 미흡한 점이 있음</a:t>
+            </a:r>
+            <a:endParaRPr lang="en-US" altLang="ko-KR" dirty="0"/>
+          </a:p>
+          <a:p>
+            <a:r>
+              <a:rPr lang="ko-KR" altLang="en-US" dirty="0"/>
+              <a:t>목표한 기능 중 미구현으로 남은 기능</a:t>
+            </a:r>
+            <a:endParaRPr lang="en-US" altLang="ko-KR" dirty="0"/>
+          </a:p>
+        </p:txBody>
+      </p:sp>
+    </p:spTree>
+    <p:extLst>
+      <p:ext uri="{BB962C8B-B14F-4D97-AF65-F5344CB8AC3E}">
+        <p14:creationId xmlns:p14="http://schemas.microsoft.com/office/powerpoint/2010/main" val="511770704"/>
+      </p:ext>
+    </p:extLst>
+  </p:cSld>
+  <p:clrMapOvr>
+    <a:masterClrMapping/>
+  </p:clrMapOvr>
+</p:sld>
+</file>
+
+<file path=ppt/slides/slide13.xml><?xml version="1.0" encoding="utf-8"?>
+<p:sld xmlns:a="http://schemas.openxmlformats.org/drawingml/2006/main" xmlns:r="http://schemas.openxmlformats.org/officeDocument/2006/relationships" xmlns:p="http://schemas.openxmlformats.org/presentationml/2006/main">
+  <p:cSld>
+    <p:spTree>
+      <p:nvGrpSpPr>
+        <p:cNvPr id="1" name=""/>
+        <p:cNvGrpSpPr/>
+        <p:nvPr/>
+      </p:nvGrpSpPr>
+      <p:grpSpPr>
+        <a:xfrm>
+          <a:off x="0" y="0"/>
+          <a:ext cx="0" cy="0"/>
+          <a:chOff x="0" y="0"/>
+          <a:chExt cx="0" cy="0"/>
+        </a:xfrm>
+      </p:grpSpPr>
+      <p:sp>
+        <p:nvSpPr>
+          <p:cNvPr id="2" name="제목 1">
+            <a:extLst>
+              <a:ext uri="{FF2B5EF4-FFF2-40B4-BE49-F238E27FC236}">
+                <a16:creationId xmlns:a16="http://schemas.microsoft.com/office/drawing/2014/main" id="{EDA8DB17-7539-0EF3-E9C8-F2244548F708}"/>
+              </a:ext>
+            </a:extLst>
+          </p:cNvPr>
+          <p:cNvSpPr>
+            <a:spLocks noGrp="1"/>
+          </p:cNvSpPr>
+          <p:nvPr>
+            <p:ph type="title"/>
+          </p:nvPr>
+        </p:nvSpPr>
+        <p:spPr/>
+        <p:txBody>
+          <a:bodyPr/>
+          <a:lstStyle/>
+          <a:p>
+            <a:r>
+              <a:rPr lang="ko-KR" altLang="en-US" dirty="0"/>
+              <a:t>잘한 점 </a:t>
+            </a:r>
+            <a:r>
+              <a:rPr lang="en-US" altLang="ko-KR" dirty="0"/>
+              <a:t>– </a:t>
+            </a:r>
+            <a:r>
+              <a:rPr lang="ko-KR" altLang="en-US" dirty="0"/>
+              <a:t>황규영</a:t>
+            </a:r>
+          </a:p>
+        </p:txBody>
+      </p:sp>
+      <p:sp>
+        <p:nvSpPr>
+          <p:cNvPr id="3" name="내용 개체 틀 2">
+            <a:extLst>
+              <a:ext uri="{FF2B5EF4-FFF2-40B4-BE49-F238E27FC236}">
+                <a16:creationId xmlns:a16="http://schemas.microsoft.com/office/drawing/2014/main" id="{27A526C7-6A5C-8A0A-1DD1-0D71594327FC}"/>
+              </a:ext>
+            </a:extLst>
+          </p:cNvPr>
+          <p:cNvSpPr>
+            <a:spLocks noGrp="1"/>
+          </p:cNvSpPr>
+          <p:nvPr>
+            <p:ph idx="1"/>
+          </p:nvPr>
+        </p:nvSpPr>
+        <p:spPr>
+          <a:xfrm>
+            <a:off x="1261872" y="1828800"/>
+            <a:ext cx="8595360" cy="4663440"/>
+          </a:xfrm>
+        </p:spPr>
+        <p:txBody>
+          <a:bodyPr>
+            <a:normAutofit/>
+          </a:bodyPr>
+          <a:lstStyle/>
+          <a:p>
+            <a:r>
+              <a:rPr lang="ko-KR" altLang="en-US" dirty="0"/>
+              <a:t>맵 에디터 구현 완료</a:t>
+            </a:r>
+            <a:endParaRPr lang="en-US" altLang="ko-KR" dirty="0"/>
+          </a:p>
+          <a:p>
+            <a:r>
+              <a:rPr lang="ko-KR" altLang="en-US" dirty="0"/>
+              <a:t>간단한 </a:t>
+            </a:r>
+            <a:r>
+              <a:rPr lang="ko-KR" altLang="en-US" dirty="0" err="1"/>
+              <a:t>셰이더</a:t>
+            </a:r>
+            <a:r>
+              <a:rPr lang="ko-KR" altLang="en-US" dirty="0"/>
+              <a:t> 작성 및 해당 </a:t>
+            </a:r>
+            <a:r>
+              <a:rPr lang="ko-KR" altLang="en-US" dirty="0" err="1"/>
+              <a:t>셰이더</a:t>
+            </a:r>
+            <a:r>
+              <a:rPr lang="ko-KR" altLang="en-US" dirty="0"/>
+              <a:t> </a:t>
+            </a:r>
+            <a:r>
+              <a:rPr lang="ko-KR" altLang="en-US" dirty="0" err="1"/>
+              <a:t>사용해봄</a:t>
+            </a:r>
+            <a:endParaRPr lang="en-US" altLang="ko-KR" dirty="0"/>
+          </a:p>
+          <a:p>
+            <a:r>
+              <a:rPr lang="ko-KR" altLang="en-US" dirty="0"/>
+              <a:t>버튼 클래스를 만들어서 재사용</a:t>
+            </a:r>
+            <a:endParaRPr lang="en-US" altLang="ko-KR" dirty="0"/>
+          </a:p>
+          <a:p>
+            <a:r>
+              <a:rPr lang="en-US" altLang="ko-KR" dirty="0"/>
+              <a:t>BFS</a:t>
+            </a:r>
+            <a:r>
+              <a:rPr lang="ko-KR" altLang="en-US" dirty="0"/>
+              <a:t>를 사용해 맵 자동 생성</a:t>
+            </a:r>
+            <a:endParaRPr lang="en-US" altLang="ko-KR" dirty="0"/>
+          </a:p>
+        </p:txBody>
+      </p:sp>
+      <p:sp>
+        <p:nvSpPr>
+          <p:cNvPr id="4" name="제목 1">
+            <a:extLst>
+              <a:ext uri="{FF2B5EF4-FFF2-40B4-BE49-F238E27FC236}">
+                <a16:creationId xmlns:a16="http://schemas.microsoft.com/office/drawing/2014/main" id="{924A12FC-927F-4F0F-928A-46C73361F1E9}"/>
+              </a:ext>
+            </a:extLst>
+          </p:cNvPr>
+          <p:cNvSpPr txBox="1">
+            <a:spLocks/>
+          </p:cNvSpPr>
+          <p:nvPr/>
+        </p:nvSpPr>
+        <p:spPr>
+          <a:xfrm>
+            <a:off x="1261872" y="2926381"/>
+            <a:ext cx="9692640" cy="1325562"/>
+          </a:xfrm>
+          <a:prstGeom prst="rect">
+            <a:avLst/>
+          </a:prstGeom>
+        </p:spPr>
+        <p:txBody>
+          <a:bodyPr vert="horz" lIns="91440" tIns="45720" rIns="91440" bIns="45720" rtlCol="0" anchor="b">
+            <a:normAutofit/>
+          </a:bodyPr>
+          <a:lstStyle>
+            <a:lvl1pPr algn="l" defTabSz="914400" rtl="0" eaLnBrk="1" latinLnBrk="1" hangingPunct="1">
+              <a:lnSpc>
+                <a:spcPct val="90000"/>
+              </a:lnSpc>
+              <a:spcBef>
+                <a:spcPct val="0"/>
+              </a:spcBef>
+              <a:buNone/>
+              <a:defRPr sz="4400" kern="1200" spc="-50" baseline="0">
+                <a:solidFill>
+                  <a:schemeClr val="tx1"/>
+                </a:solidFill>
+                <a:latin typeface="+mj-lt"/>
+                <a:ea typeface="+mj-ea"/>
+                <a:cs typeface="+mj-cs"/>
+              </a:defRPr>
+            </a:lvl1pPr>
+          </a:lstStyle>
+          <a:p>
+            <a:r>
+              <a:rPr lang="ko-KR" altLang="en-US" dirty="0"/>
+              <a:t>아쉬운 점 </a:t>
+            </a:r>
+            <a:r>
+              <a:rPr lang="en-US" altLang="ko-KR" dirty="0"/>
+              <a:t>– </a:t>
+            </a:r>
+            <a:r>
+              <a:rPr lang="ko-KR" altLang="en-US" dirty="0"/>
+              <a:t>황규영</a:t>
+            </a:r>
+          </a:p>
+        </p:txBody>
+      </p:sp>
+      <p:sp>
+        <p:nvSpPr>
+          <p:cNvPr id="5" name="내용 개체 틀 2">
+            <a:extLst>
+              <a:ext uri="{FF2B5EF4-FFF2-40B4-BE49-F238E27FC236}">
+                <a16:creationId xmlns:a16="http://schemas.microsoft.com/office/drawing/2014/main" id="{A1DC4239-8BEE-62F5-4225-60F60C3B85C1}"/>
+              </a:ext>
+            </a:extLst>
+          </p:cNvPr>
+          <p:cNvSpPr txBox="1">
+            <a:spLocks/>
+          </p:cNvSpPr>
+          <p:nvPr/>
+        </p:nvSpPr>
+        <p:spPr>
+          <a:xfrm>
+            <a:off x="1261872" y="4429256"/>
+            <a:ext cx="8595360" cy="2202707"/>
+          </a:xfrm>
+          <a:prstGeom prst="rect">
+            <a:avLst/>
+          </a:prstGeom>
+        </p:spPr>
+        <p:txBody>
+          <a:bodyPr vert="horz" lIns="91440" tIns="45720" rIns="91440" bIns="45720" rtlCol="0">
+            <a:normAutofit/>
+          </a:bodyPr>
+          <a:lstStyle>
+            <a:lvl1pPr marL="182880" indent="-182880" algn="l" defTabSz="914400" rtl="0" eaLnBrk="1" latinLnBrk="1" hangingPunct="1">
+              <a:lnSpc>
+                <a:spcPct val="95000"/>
+              </a:lnSpc>
+              <a:spcBef>
+                <a:spcPts val="1400"/>
+              </a:spcBef>
+              <a:spcAft>
+                <a:spcPts val="200"/>
+              </a:spcAft>
+              <a:buClr>
+                <a:schemeClr val="accent1"/>
+              </a:buClr>
+              <a:buSzPct val="80000"/>
+              <a:buFont typeface="Arial" pitchFamily="34" charset="0"/>
+              <a:buChar char="•"/>
+              <a:defRPr sz="1800" kern="1200" spc="10" baseline="0">
+                <a:solidFill>
+                  <a:schemeClr val="tx1"/>
+                </a:solidFill>
+                <a:latin typeface="+mn-lt"/>
+                <a:ea typeface="+mn-ea"/>
+                <a:cs typeface="+mn-cs"/>
+              </a:defRPr>
+            </a:lvl1pPr>
+            <a:lvl2pPr marL="457200" indent="-182880" algn="l" defTabSz="914400" rtl="0" eaLnBrk="1" latinLnBrk="1" hangingPunct="1">
+              <a:lnSpc>
+                <a:spcPct val="90000"/>
+              </a:lnSpc>
+              <a:spcBef>
+                <a:spcPts val="300"/>
+              </a:spcBef>
+              <a:spcAft>
+                <a:spcPts val="300"/>
+              </a:spcAft>
+              <a:buClr>
+                <a:schemeClr val="accent1"/>
+              </a:buClr>
+              <a:buFont typeface="Wingdings 2" pitchFamily="18" charset="2"/>
+              <a:buChar char=""/>
+              <a:defRPr sz="1600" kern="1200">
+                <a:solidFill>
+                  <a:schemeClr val="tx1">
+                    <a:lumMod val="85000"/>
+                    <a:lumOff val="15000"/>
+                  </a:schemeClr>
+                </a:solidFill>
+                <a:latin typeface="+mn-lt"/>
+                <a:ea typeface="+mn-ea"/>
+                <a:cs typeface="+mn-cs"/>
+              </a:defRPr>
+            </a:lvl2pPr>
+            <a:lvl3pPr marL="731520" indent="-182880" algn="l" defTabSz="914400" rtl="0" eaLnBrk="1" latinLnBrk="1" hangingPunct="1">
+              <a:lnSpc>
+                <a:spcPct val="90000"/>
+              </a:lnSpc>
+              <a:spcBef>
+                <a:spcPts val="300"/>
+              </a:spcBef>
+              <a:spcAft>
+                <a:spcPts val="300"/>
+              </a:spcAft>
+              <a:buClr>
+                <a:schemeClr val="accent1"/>
+              </a:buClr>
+              <a:buFont typeface="Wingdings 2" pitchFamily="18" charset="2"/>
+              <a:buChar char=""/>
+              <a:defRPr sz="1400" kern="1200">
+                <a:solidFill>
+                  <a:schemeClr val="tx1">
+                    <a:lumMod val="85000"/>
+                    <a:lumOff val="15000"/>
+                  </a:schemeClr>
+                </a:solidFill>
+                <a:latin typeface="+mn-lt"/>
+                <a:ea typeface="+mn-ea"/>
+                <a:cs typeface="+mn-cs"/>
+              </a:defRPr>
+            </a:lvl3pPr>
+            <a:lvl4pPr marL="1005840" indent="-182880" algn="l" defTabSz="914400" rtl="0" eaLnBrk="1" latinLnBrk="1" hangingPunct="1">
+              <a:lnSpc>
+                <a:spcPct val="90000"/>
+              </a:lnSpc>
+              <a:spcBef>
+                <a:spcPts val="300"/>
+              </a:spcBef>
+              <a:spcAft>
+                <a:spcPts val="300"/>
+              </a:spcAft>
+              <a:buClr>
+                <a:schemeClr val="accent1"/>
+              </a:buClr>
+              <a:buFont typeface="Wingdings 2" pitchFamily="18" charset="2"/>
+              <a:buChar char=""/>
+              <a:defRPr sz="1400" kern="1200">
+                <a:solidFill>
+                  <a:schemeClr val="tx1">
+                    <a:lumMod val="85000"/>
+                    <a:lumOff val="15000"/>
+                  </a:schemeClr>
+                </a:solidFill>
+                <a:latin typeface="+mn-lt"/>
+                <a:ea typeface="+mn-ea"/>
+                <a:cs typeface="+mn-cs"/>
+              </a:defRPr>
+            </a:lvl4pPr>
+            <a:lvl5pPr marL="1280160" indent="-182880" algn="l" defTabSz="914400" rtl="0" eaLnBrk="1" latinLnBrk="1" hangingPunct="1">
+              <a:lnSpc>
+                <a:spcPct val="90000"/>
+              </a:lnSpc>
+              <a:spcBef>
+                <a:spcPts val="300"/>
+              </a:spcBef>
+              <a:spcAft>
+                <a:spcPts val="300"/>
+              </a:spcAft>
+              <a:buClr>
+                <a:schemeClr val="accent1"/>
+              </a:buClr>
+              <a:buFont typeface="Wingdings 2" pitchFamily="18" charset="2"/>
+              <a:buChar char=""/>
+              <a:defRPr sz="1400" kern="1200">
+                <a:solidFill>
+                  <a:schemeClr val="tx1">
+                    <a:lumMod val="85000"/>
+                    <a:lumOff val="15000"/>
+                  </a:schemeClr>
+                </a:solidFill>
+                <a:latin typeface="+mn-lt"/>
+                <a:ea typeface="+mn-ea"/>
+                <a:cs typeface="+mn-cs"/>
+              </a:defRPr>
+            </a:lvl5pPr>
+            <a:lvl6pPr marL="1600000" indent="-228600" algn="l" defTabSz="914400" rtl="0" eaLnBrk="1" latinLnBrk="1" hangingPunct="1">
+              <a:lnSpc>
+                <a:spcPct val="90000"/>
+              </a:lnSpc>
+              <a:spcBef>
+                <a:spcPts val="300"/>
+              </a:spcBef>
+              <a:spcAft>
+                <a:spcPts val="300"/>
+              </a:spcAft>
+              <a:buClr>
+                <a:schemeClr val="accent1"/>
+              </a:buClr>
+              <a:buFont typeface="Wingdings 2" pitchFamily="18" charset="2"/>
+              <a:buChar char=""/>
+              <a:defRPr sz="1400" kern="1200">
+                <a:solidFill>
+                  <a:schemeClr val="tx1">
+                    <a:lumMod val="85000"/>
+                    <a:lumOff val="15000"/>
+                  </a:schemeClr>
+                </a:solidFill>
+                <a:latin typeface="+mn-lt"/>
+                <a:ea typeface="+mn-ea"/>
+                <a:cs typeface="+mn-cs"/>
+              </a:defRPr>
+            </a:lvl6pPr>
+            <a:lvl7pPr marL="1900000" indent="-228600" algn="l" defTabSz="914400" rtl="0" eaLnBrk="1" latinLnBrk="1" hangingPunct="1">
+              <a:lnSpc>
+                <a:spcPct val="90000"/>
+              </a:lnSpc>
+              <a:spcBef>
+                <a:spcPts val="300"/>
+              </a:spcBef>
+              <a:spcAft>
+                <a:spcPts val="300"/>
+              </a:spcAft>
+              <a:buClr>
+                <a:schemeClr val="accent1"/>
+              </a:buClr>
+              <a:buFont typeface="Wingdings 2" pitchFamily="18" charset="2"/>
+              <a:buChar char=""/>
+              <a:defRPr sz="1400" kern="1200">
+                <a:solidFill>
+                  <a:schemeClr val="tx1">
+                    <a:lumMod val="85000"/>
+                    <a:lumOff val="15000"/>
+                  </a:schemeClr>
+                </a:solidFill>
+                <a:latin typeface="+mn-lt"/>
+                <a:ea typeface="+mn-ea"/>
+                <a:cs typeface="+mn-cs"/>
+              </a:defRPr>
+            </a:lvl7pPr>
+            <a:lvl8pPr marL="2200000" indent="-228600" algn="l" defTabSz="914400" rtl="0" eaLnBrk="1" latinLnBrk="1" hangingPunct="1">
+              <a:lnSpc>
+                <a:spcPct val="90000"/>
+              </a:lnSpc>
+              <a:spcBef>
+                <a:spcPts val="300"/>
+              </a:spcBef>
+              <a:spcAft>
+                <a:spcPts val="300"/>
+              </a:spcAft>
+              <a:buClr>
+                <a:schemeClr val="accent1"/>
+              </a:buClr>
+              <a:buFont typeface="Wingdings 2" pitchFamily="18" charset="2"/>
+              <a:buChar char=""/>
+              <a:defRPr sz="1400" kern="1200">
+                <a:solidFill>
+                  <a:schemeClr val="tx1">
+                    <a:lumMod val="85000"/>
+                    <a:lumOff val="15000"/>
+                  </a:schemeClr>
+                </a:solidFill>
+                <a:latin typeface="+mn-lt"/>
+                <a:ea typeface="+mn-ea"/>
+                <a:cs typeface="+mn-cs"/>
+              </a:defRPr>
+            </a:lvl8pPr>
+            <a:lvl9pPr marL="2500000" indent="-228600" algn="l" defTabSz="914400" rtl="0" eaLnBrk="1" latinLnBrk="1" hangingPunct="1">
+              <a:lnSpc>
+                <a:spcPct val="90000"/>
+              </a:lnSpc>
+              <a:spcBef>
+                <a:spcPts val="300"/>
+              </a:spcBef>
+              <a:spcAft>
+                <a:spcPts val="300"/>
+              </a:spcAft>
+              <a:buClr>
+                <a:schemeClr val="accent1"/>
+              </a:buClr>
+              <a:buFont typeface="Wingdings 2" pitchFamily="18" charset="2"/>
+              <a:buChar char=""/>
+              <a:defRPr sz="1400" kern="1200">
+                <a:solidFill>
+                  <a:schemeClr val="tx1">
+                    <a:lumMod val="85000"/>
+                    <a:lumOff val="15000"/>
+                  </a:schemeClr>
+                </a:solidFill>
+                <a:latin typeface="+mn-lt"/>
+                <a:ea typeface="+mn-ea"/>
+                <a:cs typeface="+mn-cs"/>
+              </a:defRPr>
+            </a:lvl9pPr>
+          </a:lstStyle>
+          <a:p>
+            <a:r>
+              <a:rPr lang="ko-KR" altLang="en-US" dirty="0"/>
+              <a:t>맵 오브젝트 일부 </a:t>
+            </a:r>
+            <a:r>
+              <a:rPr lang="ko-KR" altLang="en-US" dirty="0" err="1"/>
+              <a:t>미구현</a:t>
+            </a:r>
+            <a:endParaRPr lang="en-US" altLang="ko-KR" dirty="0"/>
+          </a:p>
+          <a:p>
+            <a:r>
+              <a:rPr lang="ko-KR" altLang="en-US" dirty="0"/>
+              <a:t>애니메이션 들어간 맵 배경 </a:t>
+            </a:r>
+            <a:r>
+              <a:rPr lang="ko-KR" altLang="en-US" dirty="0" err="1"/>
+              <a:t>미구현</a:t>
+            </a:r>
+            <a:endParaRPr lang="en-US" altLang="ko-KR" dirty="0"/>
+          </a:p>
+          <a:p>
+            <a:r>
+              <a:rPr lang="ko-KR" altLang="en-US" dirty="0"/>
+              <a:t>비효율적인 맵 자동 생성 방식</a:t>
+            </a:r>
+            <a:endParaRPr lang="en-US" altLang="ko-KR" dirty="0"/>
+          </a:p>
+          <a:p>
+            <a:r>
+              <a:rPr lang="ko-KR" altLang="en-US" dirty="0"/>
+              <a:t>버튼 클래스의 경우 기본 작동 방식을 잘못 짜서 특정 스타일을 원할 때 업데이트에서 추가 함수 호출이 필요</a:t>
+            </a:r>
+            <a:endParaRPr lang="en-US" altLang="ko-KR" dirty="0"/>
+          </a:p>
+        </p:txBody>
+      </p:sp>
+    </p:spTree>
+    <p:extLst>
+      <p:ext uri="{BB962C8B-B14F-4D97-AF65-F5344CB8AC3E}">
+        <p14:creationId xmlns:p14="http://schemas.microsoft.com/office/powerpoint/2010/main" val="3398261412"/>
+      </p:ext>
+    </p:extLst>
+  </p:cSld>
+  <p:clrMapOvr>
+    <a:masterClrMapping/>
+  </p:clrMapOvr>
+</p:sld>
+</file>
+
+<file path=ppt/slides/slide14.xml><?xml version="1.0" encoding="utf-8"?>
+<p:sld xmlns:a="http://schemas.openxmlformats.org/drawingml/2006/main" xmlns:r="http://schemas.openxmlformats.org/officeDocument/2006/relationships" xmlns:p="http://schemas.openxmlformats.org/presentationml/2006/main">
+  <p:cSld>
+    <p:spTree>
+      <p:nvGrpSpPr>
+        <p:cNvPr id="1" name="">
+          <a:extLst>
+            <a:ext uri="{FF2B5EF4-FFF2-40B4-BE49-F238E27FC236}">
+              <a16:creationId xmlns:a16="http://schemas.microsoft.com/office/drawing/2014/main" id="{92024B40-6016-2A19-E86A-A4DAECC326EC}"/>
+            </a:ext>
+          </a:extLst>
+        </p:cNvPr>
+        <p:cNvGrpSpPr/>
+        <p:nvPr/>
+      </p:nvGrpSpPr>
+      <p:grpSpPr>
+        <a:xfrm>
+          <a:off x="0" y="0"/>
+          <a:ext cx="0" cy="0"/>
+          <a:chOff x="0" y="0"/>
+          <a:chExt cx="0" cy="0"/>
+        </a:xfrm>
+      </p:grpSpPr>
+      <p:sp>
+        <p:nvSpPr>
+          <p:cNvPr id="2" name="제목 1">
+            <a:extLst>
+              <a:ext uri="{FF2B5EF4-FFF2-40B4-BE49-F238E27FC236}">
+                <a16:creationId xmlns:a16="http://schemas.microsoft.com/office/drawing/2014/main" id="{44C0AA00-DDB2-BAFF-4069-7DA86CF9E7AF}"/>
+              </a:ext>
+            </a:extLst>
+          </p:cNvPr>
+          <p:cNvSpPr>
+            <a:spLocks noGrp="1"/>
+          </p:cNvSpPr>
+          <p:nvPr>
+            <p:ph type="title"/>
+          </p:nvPr>
+        </p:nvSpPr>
+        <p:spPr/>
+        <p:txBody>
+          <a:bodyPr/>
+          <a:lstStyle/>
+          <a:p>
+            <a:r>
+              <a:rPr lang="ko-KR" altLang="en-US"/>
+              <a:t>아쉬운 점</a:t>
+            </a:r>
+          </a:p>
+        </p:txBody>
+      </p:sp>
+      <p:sp>
+        <p:nvSpPr>
+          <p:cNvPr id="3" name="내용 개체 틀 2">
+            <a:extLst>
+              <a:ext uri="{FF2B5EF4-FFF2-40B4-BE49-F238E27FC236}">
+                <a16:creationId xmlns:a16="http://schemas.microsoft.com/office/drawing/2014/main" id="{C80768FB-0B75-87D1-0876-5BED93BC639A}"/>
+              </a:ext>
+            </a:extLst>
+          </p:cNvPr>
+          <p:cNvSpPr>
+            <a:spLocks noGrp="1"/>
+          </p:cNvSpPr>
+          <p:nvPr>
+            <p:ph idx="1"/>
+          </p:nvPr>
+        </p:nvSpPr>
+        <p:spPr>
+          <a:xfrm>
+            <a:off x="1261872" y="1828800"/>
+            <a:ext cx="8595360" cy="4663440"/>
+          </a:xfrm>
+        </p:spPr>
+        <p:txBody>
+          <a:bodyPr>
+            <a:normAutofit fontScale="92500" lnSpcReduction="10000"/>
+          </a:bodyPr>
+          <a:lstStyle/>
+          <a:p>
+            <a:r>
+              <a:rPr lang="ko-KR" altLang="en-US" dirty="0" err="1"/>
+              <a:t>조준점</a:t>
+            </a:r>
+            <a:r>
+              <a:rPr lang="ko-KR" altLang="en-US" dirty="0"/>
+              <a:t> 반동 계산 시 </a:t>
+            </a:r>
+            <a:r>
+              <a:rPr lang="en-US" altLang="ko-KR" dirty="0"/>
+              <a:t>Lerp </a:t>
+            </a:r>
+            <a:r>
+              <a:rPr lang="ko-KR" altLang="en-US" dirty="0"/>
+              <a:t>사용하여 생각한 대로의 반동이 나오지 않음</a:t>
+            </a:r>
+            <a:br>
+              <a:rPr lang="en-US" altLang="ko-KR" dirty="0"/>
+            </a:br>
+            <a:r>
+              <a:rPr lang="en-US" altLang="ko-KR" dirty="0"/>
+              <a:t>x=lerp(</a:t>
+            </a:r>
+            <a:r>
+              <a:rPr lang="en-US" altLang="ko-KR" dirty="0" err="1"/>
+              <a:t>x,a,dt</a:t>
+            </a:r>
+            <a:r>
+              <a:rPr lang="en-US" altLang="ko-KR" dirty="0"/>
+              <a:t>)</a:t>
+            </a:r>
+            <a:r>
+              <a:rPr lang="ko-KR" altLang="en-US" dirty="0"/>
+              <a:t>로 연산하면 </a:t>
+            </a:r>
+            <a:r>
+              <a:rPr lang="en-US" altLang="ko-KR" dirty="0"/>
+              <a:t>x</a:t>
+            </a:r>
+            <a:r>
+              <a:rPr lang="ko-KR" altLang="en-US" dirty="0"/>
+              <a:t>의 값이 지수함수의 그래프를 그리기 때문</a:t>
+            </a:r>
+            <a:endParaRPr lang="en-US" altLang="ko-KR" dirty="0"/>
+          </a:p>
+          <a:p>
+            <a:endParaRPr lang="en-US" altLang="ko-KR" dirty="0"/>
+          </a:p>
+          <a:p>
+            <a:endParaRPr lang="en-US" altLang="ko-KR" dirty="0"/>
+          </a:p>
+          <a:p>
+            <a:endParaRPr lang="en-US" altLang="ko-KR" dirty="0"/>
+          </a:p>
+          <a:p>
+            <a:endParaRPr lang="en-US" altLang="ko-KR" dirty="0"/>
+          </a:p>
+          <a:p>
+            <a:r>
+              <a:rPr lang="en-US" altLang="ko-KR" dirty="0" err="1"/>
+              <a:t>FixedUpdate</a:t>
+            </a:r>
+            <a:r>
+              <a:rPr lang="en-US" altLang="ko-KR" dirty="0"/>
+              <a:t> </a:t>
+            </a:r>
+            <a:r>
+              <a:rPr lang="ko-KR" altLang="en-US" dirty="0"/>
+              <a:t>미구현으로 프레임 타임의 차이 발생</a:t>
+            </a:r>
+            <a:br>
+              <a:rPr lang="en-US" altLang="ko-KR" dirty="0"/>
+            </a:br>
+            <a:r>
+              <a:rPr lang="en-US" altLang="ko-KR" dirty="0"/>
+              <a:t>position += 1/dt; </a:t>
+            </a:r>
+            <a:r>
+              <a:rPr lang="ko-KR" altLang="en-US" dirty="0"/>
+              <a:t>식의 계산의 경우 </a:t>
+            </a:r>
+            <a:r>
+              <a:rPr lang="en-US" altLang="ko-KR" dirty="0"/>
+              <a:t>dt</a:t>
+            </a:r>
+            <a:r>
+              <a:rPr lang="ko-KR" altLang="en-US" dirty="0"/>
+              <a:t>의 작은 차이로도 계산이 달라지는 경우가 생겨</a:t>
+            </a:r>
+            <a:br>
+              <a:rPr lang="en-US" altLang="ko-KR" dirty="0"/>
+            </a:br>
+            <a:r>
+              <a:rPr lang="ko-KR" altLang="en-US" dirty="0"/>
+              <a:t>프레임 타임에 의존하지 않도록 변경</a:t>
+            </a:r>
+            <a:endParaRPr lang="en-US" altLang="ko-KR" dirty="0"/>
+          </a:p>
+          <a:p>
+            <a:r>
+              <a:rPr lang="ko-KR" altLang="en-US" dirty="0"/>
+              <a:t>캐릭터 애니메이션 및 총 </a:t>
+            </a:r>
+            <a:r>
+              <a:rPr lang="ko-KR" altLang="en-US" dirty="0" err="1"/>
+              <a:t>스프라이트</a:t>
+            </a:r>
+            <a:r>
+              <a:rPr lang="ko-KR" altLang="en-US" dirty="0"/>
+              <a:t> 그리기를 완성하지 못함</a:t>
+            </a:r>
+            <a:br>
+              <a:rPr lang="en-US" altLang="ko-KR" dirty="0"/>
+            </a:br>
+            <a:r>
+              <a:rPr lang="ko-KR" altLang="en-US" dirty="0"/>
+              <a:t>좋아하는 총을 넣지 못했음</a:t>
+            </a:r>
+            <a:endParaRPr lang="en-US" altLang="ko-KR" dirty="0"/>
+          </a:p>
+          <a:p>
+            <a:r>
+              <a:rPr lang="en-US" altLang="ko-KR" dirty="0"/>
+              <a:t>2</a:t>
+            </a:r>
+            <a:r>
+              <a:rPr lang="ko-KR" altLang="en-US" dirty="0"/>
+              <a:t>차 목표</a:t>
+            </a:r>
+            <a:r>
+              <a:rPr lang="en-US" altLang="ko-KR" dirty="0"/>
+              <a:t>, </a:t>
+            </a:r>
+            <a:r>
+              <a:rPr lang="ko-KR" altLang="en-US" dirty="0"/>
+              <a:t>추가 목표 </a:t>
+            </a:r>
+            <a:r>
+              <a:rPr lang="ko-KR" altLang="en-US" dirty="0" err="1"/>
+              <a:t>미달성</a:t>
+            </a:r>
+            <a:br>
+              <a:rPr lang="en-US" altLang="ko-KR" dirty="0"/>
+            </a:br>
+            <a:r>
+              <a:rPr lang="ko-KR" altLang="en-US" dirty="0"/>
+              <a:t>생각 외로 반동 구현에서 시간을 많이 씀</a:t>
+            </a:r>
+          </a:p>
+        </p:txBody>
+      </p:sp>
+      <p:pic>
+        <p:nvPicPr>
+          <p:cNvPr id="9" name="그림 8">
+            <a:extLst>
+              <a:ext uri="{FF2B5EF4-FFF2-40B4-BE49-F238E27FC236}">
+                <a16:creationId xmlns:a16="http://schemas.microsoft.com/office/drawing/2014/main" id="{BE7E7E90-E451-029F-90CF-22FB42BD4278}"/>
+              </a:ext>
+            </a:extLst>
+          </p:cNvPr>
+          <p:cNvPicPr>
+            <a:picLocks noChangeAspect="1"/>
+          </p:cNvPicPr>
+          <p:nvPr/>
+        </p:nvPicPr>
+        <p:blipFill>
+          <a:blip r:embed="rId2"/>
+          <a:stretch>
+            <a:fillRect/>
+          </a:stretch>
+        </p:blipFill>
+        <p:spPr>
+          <a:xfrm>
+            <a:off x="4230744" y="2378784"/>
+            <a:ext cx="2657616" cy="1634838"/>
+          </a:xfrm>
+          <a:prstGeom prst="rect">
+            <a:avLst/>
+          </a:prstGeom>
+        </p:spPr>
+      </p:pic>
+    </p:spTree>
+    <p:extLst>
+      <p:ext uri="{BB962C8B-B14F-4D97-AF65-F5344CB8AC3E}">
+        <p14:creationId xmlns:p14="http://schemas.microsoft.com/office/powerpoint/2010/main" val="3802659592"/>
+      </p:ext>
+    </p:extLst>
+  </p:cSld>
+  <p:clrMapOvr>
+    <a:masterClrMapping/>
+  </p:clrMapOvr>
+</p:sld>
+</file>
+
+<file path=ppt/slides/slide15.xml><?xml version="1.0" encoding="utf-8"?>
+<p:sld xmlns:a="http://schemas.openxmlformats.org/drawingml/2006/main" xmlns:r="http://schemas.openxmlformats.org/officeDocument/2006/relationships" xmlns:p="http://schemas.openxmlformats.org/presentationml/2006/main">
+  <p:cSld>
+    <p:spTree>
+      <p:nvGrpSpPr>
         <p:cNvPr id="1" name=""/>
         <p:cNvGrpSpPr/>
         <p:nvPr/>
@@ -3863,7 +6170,7 @@
 </p:sld>
 </file>
 
-<file path=ppt/slides/slide11.xml><?xml version="1.0" encoding="utf-8"?>
+<file path=ppt/slides/slide16.xml><?xml version="1.0" encoding="utf-8"?>
 <p:sld xmlns:a="http://schemas.openxmlformats.org/drawingml/2006/main" xmlns:r="http://schemas.openxmlformats.org/officeDocument/2006/relationships" xmlns:p="http://schemas.openxmlformats.org/presentationml/2006/main">
   <p:cSld>
     <p:spTree>
@@ -5180,7 +7487,23 @@
           <a:p>
             <a:r>
               <a:rPr lang="ko-KR" altLang="en-US" dirty="0"/>
-              <a:t>구현 내용</a:t>
+              <a:t>구현 내용 </a:t>
+            </a:r>
+            <a:r>
+              <a:rPr lang="en-US" altLang="ko-KR" dirty="0"/>
+              <a:t>– </a:t>
+            </a:r>
+            <a:r>
+              <a:rPr lang="ko-KR" altLang="en-US" dirty="0"/>
+              <a:t>황규영 </a:t>
+            </a:r>
+            <a:r>
+              <a:rPr lang="en-US" altLang="ko-KR" dirty="0"/>
+              <a:t>– </a:t>
+            </a:r>
+            <a:r>
+              <a:rPr lang="ko-KR" altLang="en-US" dirty="0"/>
+              <a:t>방 데이터</a:t>
             </a:r>
           </a:p>
         </p:txBody>
@@ -5207,20 +7530,234 @@
           <a:lstStyle/>
           <a:p>
             <a:r>
+              <a:rPr lang="en-US" altLang="ko-KR" dirty="0"/>
+              <a:t>3</a:t>
+            </a:r>
+            <a:r>
               <a:rPr lang="ko-KR" altLang="en-US" dirty="0"/>
-              <a:t>아아</a:t>
-            </a:r>
+              <a:t>개의 </a:t>
+            </a:r>
+            <a:r>
+              <a:rPr lang="ko-KR" altLang="en-US" dirty="0" err="1"/>
+              <a:t>타일맵</a:t>
+            </a:r>
+            <a:r>
+              <a:rPr lang="ko-KR" altLang="en-US" dirty="0"/>
+              <a:t> 레이어</a:t>
+            </a:r>
+            <a:r>
+              <a:rPr lang="en-US" altLang="ko-KR" dirty="0"/>
+              <a:t>, </a:t>
+            </a:r>
+            <a:r>
+              <a:rPr lang="ko-KR" altLang="en-US" dirty="0"/>
+              <a:t>히트박스</a:t>
+            </a:r>
+            <a:r>
+              <a:rPr lang="en-US" altLang="ko-KR" dirty="0"/>
+              <a:t>, </a:t>
+            </a:r>
+            <a:r>
+              <a:rPr lang="ko-KR" altLang="en-US" dirty="0"/>
+              <a:t>오브젝트</a:t>
+            </a:r>
+            <a:r>
+              <a:rPr lang="en-US" altLang="ko-KR" dirty="0"/>
+              <a:t>, </a:t>
+            </a:r>
+            <a:r>
+              <a:rPr lang="ko-KR" altLang="en-US" dirty="0"/>
+              <a:t>몬스터 목록으로 구성</a:t>
+            </a:r>
+            <a:endParaRPr lang="en-US" altLang="ko-KR" dirty="0"/>
+          </a:p>
+          <a:p>
+            <a:endParaRPr lang="en-US" altLang="ko-KR" dirty="0"/>
+          </a:p>
+          <a:p>
+            <a:endParaRPr lang="ko-KR" altLang="en-US" dirty="0"/>
           </a:p>
           <a:p>
             <a:pPr lvl="1"/>
-            <a:r>
-              <a:rPr lang="ko-KR" altLang="en-US" dirty="0"/>
-              <a:t>아아</a:t>
-            </a:r>
             <a:endParaRPr lang="en-US" altLang="ko-KR" dirty="0"/>
           </a:p>
         </p:txBody>
       </p:sp>
+      <p:pic>
+        <p:nvPicPr>
+          <p:cNvPr id="21" name="그림 20" descr="스크린샷, 그래픽 소프트웨어, 3D 모델링, 텍스트이(가) 표시된 사진&#10;&#10;자동 생성된 설명">
+            <a:extLst>
+              <a:ext uri="{FF2B5EF4-FFF2-40B4-BE49-F238E27FC236}">
+                <a16:creationId xmlns:a16="http://schemas.microsoft.com/office/drawing/2014/main" id="{EF33BBFE-CC04-F1AB-E6FB-E880970DCBC7}"/>
+              </a:ext>
+            </a:extLst>
+          </p:cNvPr>
+          <p:cNvPicPr>
+            <a:picLocks noChangeAspect="1"/>
+          </p:cNvPicPr>
+          <p:nvPr/>
+        </p:nvPicPr>
+        <p:blipFill>
+          <a:blip r:embed="rId2">
+            <a:extLst>
+              <a:ext uri="{28A0092B-C50C-407E-A947-70E740481C1C}">
+                <a14:useLocalDpi xmlns:a14="http://schemas.microsoft.com/office/drawing/2010/main" val="0"/>
+              </a:ext>
+            </a:extLst>
+          </a:blip>
+          <a:srcRect l="51790" t="58598" r="2895" b="13918"/>
+          <a:stretch/>
+        </p:blipFill>
+        <p:spPr>
+          <a:xfrm>
+            <a:off x="6998985" y="4588750"/>
+            <a:ext cx="4124746" cy="1372520"/>
+          </a:xfrm>
+          <a:prstGeom prst="rect">
+            <a:avLst/>
+          </a:prstGeom>
+        </p:spPr>
+      </p:pic>
+      <p:pic>
+        <p:nvPicPr>
+          <p:cNvPr id="23" name="그림 22" descr="스크린샷, 그래픽 소프트웨어, 3D 모델링, 멀티미디어 소프트웨어이(가) 표시된 사진&#10;&#10;자동 생성된 설명">
+            <a:extLst>
+              <a:ext uri="{FF2B5EF4-FFF2-40B4-BE49-F238E27FC236}">
+                <a16:creationId xmlns:a16="http://schemas.microsoft.com/office/drawing/2014/main" id="{9E858C39-7B6D-B773-6C6E-C9FD40AD1602}"/>
+              </a:ext>
+            </a:extLst>
+          </p:cNvPr>
+          <p:cNvPicPr>
+            <a:picLocks noChangeAspect="1"/>
+          </p:cNvPicPr>
+          <p:nvPr/>
+        </p:nvPicPr>
+        <p:blipFill>
+          <a:blip r:embed="rId3">
+            <a:extLst>
+              <a:ext uri="{28A0092B-C50C-407E-A947-70E740481C1C}">
+                <a14:useLocalDpi xmlns:a14="http://schemas.microsoft.com/office/drawing/2010/main" val="0"/>
+              </a:ext>
+            </a:extLst>
+          </a:blip>
+          <a:srcRect l="51789" t="58598" r="2895" b="13918"/>
+          <a:stretch/>
+        </p:blipFill>
+        <p:spPr>
+          <a:xfrm>
+            <a:off x="6998985" y="2674544"/>
+            <a:ext cx="4124746" cy="1372520"/>
+          </a:xfrm>
+          <a:prstGeom prst="rect">
+            <a:avLst/>
+          </a:prstGeom>
+        </p:spPr>
+      </p:pic>
+      <p:pic>
+        <p:nvPicPr>
+          <p:cNvPr id="25" name="그림 24" descr="텍스트, 스크린샷, 그래픽 소프트웨어, 멀티미디어 소프트웨어이(가) 표시된 사진&#10;&#10;자동 생성된 설명">
+            <a:extLst>
+              <a:ext uri="{FF2B5EF4-FFF2-40B4-BE49-F238E27FC236}">
+                <a16:creationId xmlns:a16="http://schemas.microsoft.com/office/drawing/2014/main" id="{02CDB5E0-5C52-A6B7-8490-0B19577E3AAB}"/>
+              </a:ext>
+            </a:extLst>
+          </p:cNvPr>
+          <p:cNvPicPr>
+            <a:picLocks noChangeAspect="1"/>
+          </p:cNvPicPr>
+          <p:nvPr/>
+        </p:nvPicPr>
+        <p:blipFill>
+          <a:blip r:embed="rId4">
+            <a:extLst>
+              <a:ext uri="{28A0092B-C50C-407E-A947-70E740481C1C}">
+                <a14:useLocalDpi xmlns:a14="http://schemas.microsoft.com/office/drawing/2010/main" val="0"/>
+              </a:ext>
+            </a:extLst>
+          </a:blip>
+          <a:srcRect l="24871" t="3683"/>
+          <a:stretch/>
+        </p:blipFill>
+        <p:spPr>
+          <a:xfrm>
+            <a:off x="489124" y="4588750"/>
+            <a:ext cx="2960411" cy="2082262"/>
+          </a:xfrm>
+          <a:prstGeom prst="rect">
+            <a:avLst/>
+          </a:prstGeom>
+        </p:spPr>
+      </p:pic>
+      <p:pic>
+        <p:nvPicPr>
+          <p:cNvPr id="27" name="그림 26" descr="스크린샷, 텍스트, 그래픽 소프트웨어, 멀티미디어 소프트웨어이(가) 표시된 사진&#10;&#10;자동 생성된 설명">
+            <a:extLst>
+              <a:ext uri="{FF2B5EF4-FFF2-40B4-BE49-F238E27FC236}">
+                <a16:creationId xmlns:a16="http://schemas.microsoft.com/office/drawing/2014/main" id="{F575B5EA-5E25-476C-35E3-8583C9462ACC}"/>
+              </a:ext>
+            </a:extLst>
+          </p:cNvPr>
+          <p:cNvPicPr>
+            <a:picLocks noChangeAspect="1"/>
+          </p:cNvPicPr>
+          <p:nvPr/>
+        </p:nvPicPr>
+        <p:blipFill>
+          <a:blip r:embed="rId5">
+            <a:extLst>
+              <a:ext uri="{28A0092B-C50C-407E-A947-70E740481C1C}">
+                <a14:useLocalDpi xmlns:a14="http://schemas.microsoft.com/office/drawing/2010/main" val="0"/>
+              </a:ext>
+            </a:extLst>
+          </a:blip>
+          <a:srcRect l="24871" t="3683"/>
+          <a:stretch/>
+        </p:blipFill>
+        <p:spPr>
+          <a:xfrm>
+            <a:off x="483349" y="2319675"/>
+            <a:ext cx="2960410" cy="2082261"/>
+          </a:xfrm>
+          <a:prstGeom prst="rect">
+            <a:avLst/>
+          </a:prstGeom>
+        </p:spPr>
+      </p:pic>
+      <p:pic>
+        <p:nvPicPr>
+          <p:cNvPr id="29" name="그림 28" descr="스크린샷, 그래픽 소프트웨어, 멀티미디어 소프트웨어, 텍스트이(가) 표시된 사진&#10;&#10;자동 생성된 설명">
+            <a:extLst>
+              <a:ext uri="{FF2B5EF4-FFF2-40B4-BE49-F238E27FC236}">
+                <a16:creationId xmlns:a16="http://schemas.microsoft.com/office/drawing/2014/main" id="{30F58842-CC60-D529-AA52-7177CD3AF92D}"/>
+              </a:ext>
+            </a:extLst>
+          </p:cNvPr>
+          <p:cNvPicPr>
+            <a:picLocks noChangeAspect="1"/>
+          </p:cNvPicPr>
+          <p:nvPr/>
+        </p:nvPicPr>
+        <p:blipFill>
+          <a:blip r:embed="rId6">
+            <a:extLst>
+              <a:ext uri="{28A0092B-C50C-407E-A947-70E740481C1C}">
+                <a14:useLocalDpi xmlns:a14="http://schemas.microsoft.com/office/drawing/2010/main" val="0"/>
+              </a:ext>
+            </a:extLst>
+          </a:blip>
+          <a:srcRect l="24871" t="3683"/>
+          <a:stretch/>
+        </p:blipFill>
+        <p:spPr>
+          <a:xfrm>
+            <a:off x="3779900" y="3467860"/>
+            <a:ext cx="2960410" cy="2082259"/>
+          </a:xfrm>
+          <a:prstGeom prst="rect">
+            <a:avLst/>
+          </a:prstGeom>
+        </p:spPr>
+      </p:pic>
     </p:spTree>
     <p:extLst>
       <p:ext uri="{BB962C8B-B14F-4D97-AF65-F5344CB8AC3E}">
@@ -5239,7 +7776,13 @@
   <p:cSld>
     <p:spTree>
       <p:nvGrpSpPr>
-        <p:cNvPr id="1" name=""/>
+        <p:cNvPr id="1" name="">
+          <a:extLst>
+            <a:ext uri="{FF2B5EF4-FFF2-40B4-BE49-F238E27FC236}">
+              <a16:creationId xmlns:a16="http://schemas.microsoft.com/office/drawing/2014/main" id="{340032BF-9680-9D51-4B54-F4A165561D35}"/>
+            </a:ext>
+          </a:extLst>
+        </p:cNvPr>
         <p:cNvGrpSpPr/>
         <p:nvPr/>
       </p:nvGrpSpPr>
@@ -5256,7 +7799,7 @@
           <p:cNvPr id="2" name="제목 1">
             <a:extLst>
               <a:ext uri="{FF2B5EF4-FFF2-40B4-BE49-F238E27FC236}">
-                <a16:creationId xmlns:a16="http://schemas.microsoft.com/office/drawing/2014/main" id="{EDA8DB17-7539-0EF3-E9C8-F2244548F708}"/>
+                <a16:creationId xmlns:a16="http://schemas.microsoft.com/office/drawing/2014/main" id="{F2814FC8-1711-7221-992E-141C41A85C95}"/>
               </a:ext>
             </a:extLst>
           </p:cNvPr>
@@ -5274,7 +7817,7 @@
           <a:p>
             <a:r>
               <a:rPr lang="ko-KR" altLang="en-US" dirty="0"/>
-              <a:t>잘한 점 </a:t>
+              <a:t>구현 내용 </a:t>
             </a:r>
             <a:r>
               <a:rPr lang="en-US" altLang="ko-KR" dirty="0"/>
@@ -5282,7 +7825,15 @@
             </a:r>
             <a:r>
               <a:rPr lang="ko-KR" altLang="en-US" dirty="0"/>
-              <a:t>팀</a:t>
+              <a:t>황규영 </a:t>
+            </a:r>
+            <a:r>
+              <a:rPr lang="en-US" altLang="ko-KR" dirty="0"/>
+              <a:t>– </a:t>
+            </a:r>
+            <a:r>
+              <a:rPr lang="ko-KR" altLang="en-US" dirty="0"/>
+              <a:t>맵 에디터</a:t>
             </a:r>
           </a:p>
         </p:txBody>
@@ -5292,7 +7843,7 @@
           <p:cNvPr id="3" name="내용 개체 틀 2">
             <a:extLst>
               <a:ext uri="{FF2B5EF4-FFF2-40B4-BE49-F238E27FC236}">
-                <a16:creationId xmlns:a16="http://schemas.microsoft.com/office/drawing/2014/main" id="{27A526C7-6A5C-8A0A-1DD1-0D71594327FC}"/>
+                <a16:creationId xmlns:a16="http://schemas.microsoft.com/office/drawing/2014/main" id="{DB6D850D-36C4-1A8F-0C0B-9578CADC3D72}"/>
               </a:ext>
             </a:extLst>
           </p:cNvPr>
@@ -5303,395 +7854,185 @@
             <p:ph idx="1"/>
           </p:nvPr>
         </p:nvSpPr>
-        <p:spPr>
-          <a:xfrm>
-            <a:off x="1261872" y="1828800"/>
-            <a:ext cx="8595360" cy="1502875"/>
-          </a:xfrm>
-        </p:spPr>
-        <p:txBody>
-          <a:bodyPr>
-            <a:normAutofit/>
-          </a:bodyPr>
+        <p:spPr/>
+        <p:txBody>
+          <a:bodyPr/>
           <a:lstStyle/>
           <a:p>
             <a:r>
               <a:rPr lang="ko-KR" altLang="en-US" dirty="0"/>
-              <a:t>깃으로 협업을 하면서 큰 문제가 발생하지 않음</a:t>
+              <a:t>각 방의 데이터를 설정 및 저장</a:t>
+            </a:r>
+            <a:r>
+              <a:rPr lang="en-US" altLang="ko-KR" dirty="0"/>
+              <a:t>, </a:t>
+            </a:r>
+            <a:r>
+              <a:rPr lang="ko-KR" altLang="en-US" dirty="0"/>
+              <a:t>불러오기 가능하도록 함</a:t>
             </a:r>
             <a:endParaRPr lang="en-US" altLang="ko-KR" dirty="0"/>
           </a:p>
           <a:p>
-            <a:r>
-              <a:rPr lang="ko-KR" altLang="en-US" dirty="0"/>
-              <a:t>모두 같이 협동심 있게 작업함</a:t>
-            </a:r>
             <a:endParaRPr lang="en-US" altLang="ko-KR" dirty="0"/>
           </a:p>
           <a:p>
-            <a:r>
-              <a:rPr lang="ko-KR" altLang="en-US" dirty="0"/>
-              <a:t>작업 분담 및 분담 파트에 대한 존중을 함</a:t>
-            </a:r>
+            <a:endParaRPr lang="ko-KR" altLang="en-US" dirty="0"/>
+          </a:p>
+          <a:p>
+            <a:pPr lvl="1"/>
             <a:endParaRPr lang="en-US" altLang="ko-KR" dirty="0"/>
           </a:p>
-          <a:p>
-            <a:endParaRPr lang="en-US" altLang="ko-KR" dirty="0"/>
-          </a:p>
-        </p:txBody>
-      </p:sp>
-      <p:sp>
-        <p:nvSpPr>
-          <p:cNvPr id="6" name="제목 1">
+        </p:txBody>
+      </p:sp>
+      <p:pic>
+        <p:nvPicPr>
+          <p:cNvPr id="5" name="그림 4" descr="텍스트, 스크린샷, 그래픽 소프트웨어, 멀티미디어 소프트웨어이(가) 표시된 사진&#10;&#10;자동 생성된 설명">
             <a:extLst>
               <a:ext uri="{FF2B5EF4-FFF2-40B4-BE49-F238E27FC236}">
-                <a16:creationId xmlns:a16="http://schemas.microsoft.com/office/drawing/2014/main" id="{226A3D37-7F4F-2E29-BFCD-C23D16A6CDE0}"/>
+                <a16:creationId xmlns:a16="http://schemas.microsoft.com/office/drawing/2014/main" id="{16727180-8AD0-2B19-ADDC-7679F828EEAB}"/>
               </a:ext>
             </a:extLst>
           </p:cNvPr>
-          <p:cNvSpPr txBox="1">
-            <a:spLocks/>
-          </p:cNvSpPr>
+          <p:cNvPicPr>
+            <a:picLocks noChangeAspect="1"/>
+          </p:cNvPicPr>
           <p:nvPr/>
-        </p:nvSpPr>
+        </p:nvPicPr>
+        <p:blipFill>
+          <a:blip r:embed="rId2">
+            <a:extLst>
+              <a:ext uri="{28A0092B-C50C-407E-A947-70E740481C1C}">
+                <a14:useLocalDpi xmlns:a14="http://schemas.microsoft.com/office/drawing/2010/main" val="0"/>
+              </a:ext>
+            </a:extLst>
+          </a:blip>
+          <a:stretch>
+            <a:fillRect/>
+          </a:stretch>
+        </p:blipFill>
         <p:spPr>
           <a:xfrm>
-            <a:off x="1261872" y="2926381"/>
-            <a:ext cx="9692640" cy="1325562"/>
+            <a:off x="5466179" y="4540470"/>
+            <a:ext cx="3898231" cy="2138726"/>
           </a:xfrm>
           <a:prstGeom prst="rect">
             <a:avLst/>
           </a:prstGeom>
         </p:spPr>
-        <p:txBody>
-          <a:bodyPr vert="horz" lIns="91440" tIns="45720" rIns="91440" bIns="45720" rtlCol="0" anchor="b">
-            <a:normAutofit/>
-          </a:bodyPr>
-          <a:lstStyle>
-            <a:lvl1pPr algn="l" defTabSz="914400" rtl="0" eaLnBrk="1" latinLnBrk="1" hangingPunct="1">
-              <a:lnSpc>
-                <a:spcPct val="90000"/>
-              </a:lnSpc>
-              <a:spcBef>
-                <a:spcPct val="0"/>
-              </a:spcBef>
-              <a:buNone/>
-              <a:defRPr sz="4400" kern="1200" spc="-50" baseline="0">
-                <a:solidFill>
-                  <a:schemeClr val="tx1"/>
-                </a:solidFill>
-                <a:latin typeface="+mj-lt"/>
-                <a:ea typeface="+mj-ea"/>
-                <a:cs typeface="+mj-cs"/>
-              </a:defRPr>
-            </a:lvl1pPr>
-          </a:lstStyle>
-          <a:p>
-            <a:r>
-              <a:rPr lang="ko-KR" altLang="en-US" dirty="0"/>
-              <a:t>아쉬운 점 </a:t>
-            </a:r>
-            <a:r>
-              <a:rPr lang="en-US" altLang="ko-KR" dirty="0"/>
-              <a:t>– </a:t>
-            </a:r>
-            <a:r>
-              <a:rPr lang="ko-KR" altLang="en-US" dirty="0"/>
-              <a:t>팀</a:t>
-            </a:r>
-          </a:p>
-        </p:txBody>
-      </p:sp>
-      <p:sp>
-        <p:nvSpPr>
-          <p:cNvPr id="7" name="내용 개체 틀 2">
+      </p:pic>
+      <p:pic>
+        <p:nvPicPr>
+          <p:cNvPr id="7" name="그림 6" descr="스크린샷, 그래픽 소프트웨어, 3D 모델링, 텍스트이(가) 표시된 사진&#10;&#10;자동 생성된 설명">
             <a:extLst>
               <a:ext uri="{FF2B5EF4-FFF2-40B4-BE49-F238E27FC236}">
-                <a16:creationId xmlns:a16="http://schemas.microsoft.com/office/drawing/2014/main" id="{FCD82384-87D2-8B68-0CB0-29FBAA93383F}"/>
+                <a16:creationId xmlns:a16="http://schemas.microsoft.com/office/drawing/2014/main" id="{0FE8DB77-88DB-B895-2EAC-30CBF27AFDB5}"/>
               </a:ext>
             </a:extLst>
           </p:cNvPr>
-          <p:cNvSpPr txBox="1">
-            <a:spLocks/>
-          </p:cNvSpPr>
+          <p:cNvPicPr>
+            <a:picLocks noChangeAspect="1"/>
+          </p:cNvPicPr>
           <p:nvPr/>
-        </p:nvSpPr>
+        </p:nvPicPr>
+        <p:blipFill>
+          <a:blip r:embed="rId3">
+            <a:extLst>
+              <a:ext uri="{28A0092B-C50C-407E-A947-70E740481C1C}">
+                <a14:useLocalDpi xmlns:a14="http://schemas.microsoft.com/office/drawing/2010/main" val="0"/>
+              </a:ext>
+            </a:extLst>
+          </a:blip>
+          <a:stretch>
+            <a:fillRect/>
+          </a:stretch>
+        </p:blipFill>
         <p:spPr>
           <a:xfrm>
-            <a:off x="1261872" y="4429256"/>
-            <a:ext cx="8595360" cy="2202707"/>
+            <a:off x="1414908" y="2359637"/>
+            <a:ext cx="3898231" cy="2138726"/>
           </a:xfrm>
           <a:prstGeom prst="rect">
             <a:avLst/>
           </a:prstGeom>
         </p:spPr>
-        <p:txBody>
-          <a:bodyPr vert="horz" lIns="91440" tIns="45720" rIns="91440" bIns="45720" rtlCol="0">
-            <a:normAutofit/>
-          </a:bodyPr>
-          <a:lstStyle>
-            <a:lvl1pPr marL="182880" indent="-182880" algn="l" defTabSz="914400" rtl="0" eaLnBrk="1" latinLnBrk="1" hangingPunct="1">
-              <a:lnSpc>
-                <a:spcPct val="95000"/>
-              </a:lnSpc>
-              <a:spcBef>
-                <a:spcPts val="1400"/>
-              </a:spcBef>
-              <a:spcAft>
-                <a:spcPts val="200"/>
-              </a:spcAft>
-              <a:buClr>
-                <a:schemeClr val="accent1"/>
-              </a:buClr>
-              <a:buSzPct val="80000"/>
-              <a:buFont typeface="Arial" pitchFamily="34" charset="0"/>
-              <a:buChar char="•"/>
-              <a:defRPr sz="1800" kern="1200" spc="10" baseline="0">
-                <a:solidFill>
-                  <a:schemeClr val="tx1"/>
-                </a:solidFill>
-                <a:latin typeface="+mn-lt"/>
-                <a:ea typeface="+mn-ea"/>
-                <a:cs typeface="+mn-cs"/>
-              </a:defRPr>
-            </a:lvl1pPr>
-            <a:lvl2pPr marL="457200" indent="-182880" algn="l" defTabSz="914400" rtl="0" eaLnBrk="1" latinLnBrk="1" hangingPunct="1">
-              <a:lnSpc>
-                <a:spcPct val="90000"/>
-              </a:lnSpc>
-              <a:spcBef>
-                <a:spcPts val="300"/>
-              </a:spcBef>
-              <a:spcAft>
-                <a:spcPts val="300"/>
-              </a:spcAft>
-              <a:buClr>
-                <a:schemeClr val="accent1"/>
-              </a:buClr>
-              <a:buFont typeface="Wingdings 2" pitchFamily="18" charset="2"/>
-              <a:buChar char=""/>
-              <a:defRPr sz="1600" kern="1200">
-                <a:solidFill>
-                  <a:schemeClr val="tx1">
-                    <a:lumMod val="85000"/>
-                    <a:lumOff val="15000"/>
-                  </a:schemeClr>
-                </a:solidFill>
-                <a:latin typeface="+mn-lt"/>
-                <a:ea typeface="+mn-ea"/>
-                <a:cs typeface="+mn-cs"/>
-              </a:defRPr>
-            </a:lvl2pPr>
-            <a:lvl3pPr marL="731520" indent="-182880" algn="l" defTabSz="914400" rtl="0" eaLnBrk="1" latinLnBrk="1" hangingPunct="1">
-              <a:lnSpc>
-                <a:spcPct val="90000"/>
-              </a:lnSpc>
-              <a:spcBef>
-                <a:spcPts val="300"/>
-              </a:spcBef>
-              <a:spcAft>
-                <a:spcPts val="300"/>
-              </a:spcAft>
-              <a:buClr>
-                <a:schemeClr val="accent1"/>
-              </a:buClr>
-              <a:buFont typeface="Wingdings 2" pitchFamily="18" charset="2"/>
-              <a:buChar char=""/>
-              <a:defRPr sz="1400" kern="1200">
-                <a:solidFill>
-                  <a:schemeClr val="tx1">
-                    <a:lumMod val="85000"/>
-                    <a:lumOff val="15000"/>
-                  </a:schemeClr>
-                </a:solidFill>
-                <a:latin typeface="+mn-lt"/>
-                <a:ea typeface="+mn-ea"/>
-                <a:cs typeface="+mn-cs"/>
-              </a:defRPr>
-            </a:lvl3pPr>
-            <a:lvl4pPr marL="1005840" indent="-182880" algn="l" defTabSz="914400" rtl="0" eaLnBrk="1" latinLnBrk="1" hangingPunct="1">
-              <a:lnSpc>
-                <a:spcPct val="90000"/>
-              </a:lnSpc>
-              <a:spcBef>
-                <a:spcPts val="300"/>
-              </a:spcBef>
-              <a:spcAft>
-                <a:spcPts val="300"/>
-              </a:spcAft>
-              <a:buClr>
-                <a:schemeClr val="accent1"/>
-              </a:buClr>
-              <a:buFont typeface="Wingdings 2" pitchFamily="18" charset="2"/>
-              <a:buChar char=""/>
-              <a:defRPr sz="1400" kern="1200">
-                <a:solidFill>
-                  <a:schemeClr val="tx1">
-                    <a:lumMod val="85000"/>
-                    <a:lumOff val="15000"/>
-                  </a:schemeClr>
-                </a:solidFill>
-                <a:latin typeface="+mn-lt"/>
-                <a:ea typeface="+mn-ea"/>
-                <a:cs typeface="+mn-cs"/>
-              </a:defRPr>
-            </a:lvl4pPr>
-            <a:lvl5pPr marL="1280160" indent="-182880" algn="l" defTabSz="914400" rtl="0" eaLnBrk="1" latinLnBrk="1" hangingPunct="1">
-              <a:lnSpc>
-                <a:spcPct val="90000"/>
-              </a:lnSpc>
-              <a:spcBef>
-                <a:spcPts val="300"/>
-              </a:spcBef>
-              <a:spcAft>
-                <a:spcPts val="300"/>
-              </a:spcAft>
-              <a:buClr>
-                <a:schemeClr val="accent1"/>
-              </a:buClr>
-              <a:buFont typeface="Wingdings 2" pitchFamily="18" charset="2"/>
-              <a:buChar char=""/>
-              <a:defRPr sz="1400" kern="1200">
-                <a:solidFill>
-                  <a:schemeClr val="tx1">
-                    <a:lumMod val="85000"/>
-                    <a:lumOff val="15000"/>
-                  </a:schemeClr>
-                </a:solidFill>
-                <a:latin typeface="+mn-lt"/>
-                <a:ea typeface="+mn-ea"/>
-                <a:cs typeface="+mn-cs"/>
-              </a:defRPr>
-            </a:lvl5pPr>
-            <a:lvl6pPr marL="1600000" indent="-228600" algn="l" defTabSz="914400" rtl="0" eaLnBrk="1" latinLnBrk="1" hangingPunct="1">
-              <a:lnSpc>
-                <a:spcPct val="90000"/>
-              </a:lnSpc>
-              <a:spcBef>
-                <a:spcPts val="300"/>
-              </a:spcBef>
-              <a:spcAft>
-                <a:spcPts val="300"/>
-              </a:spcAft>
-              <a:buClr>
-                <a:schemeClr val="accent1"/>
-              </a:buClr>
-              <a:buFont typeface="Wingdings 2" pitchFamily="18" charset="2"/>
-              <a:buChar char=""/>
-              <a:defRPr sz="1400" kern="1200">
-                <a:solidFill>
-                  <a:schemeClr val="tx1">
-                    <a:lumMod val="85000"/>
-                    <a:lumOff val="15000"/>
-                  </a:schemeClr>
-                </a:solidFill>
-                <a:latin typeface="+mn-lt"/>
-                <a:ea typeface="+mn-ea"/>
-                <a:cs typeface="+mn-cs"/>
-              </a:defRPr>
-            </a:lvl6pPr>
-            <a:lvl7pPr marL="1900000" indent="-228600" algn="l" defTabSz="914400" rtl="0" eaLnBrk="1" latinLnBrk="1" hangingPunct="1">
-              <a:lnSpc>
-                <a:spcPct val="90000"/>
-              </a:lnSpc>
-              <a:spcBef>
-                <a:spcPts val="300"/>
-              </a:spcBef>
-              <a:spcAft>
-                <a:spcPts val="300"/>
-              </a:spcAft>
-              <a:buClr>
-                <a:schemeClr val="accent1"/>
-              </a:buClr>
-              <a:buFont typeface="Wingdings 2" pitchFamily="18" charset="2"/>
-              <a:buChar char=""/>
-              <a:defRPr sz="1400" kern="1200">
-                <a:solidFill>
-                  <a:schemeClr val="tx1">
-                    <a:lumMod val="85000"/>
-                    <a:lumOff val="15000"/>
-                  </a:schemeClr>
-                </a:solidFill>
-                <a:latin typeface="+mn-lt"/>
-                <a:ea typeface="+mn-ea"/>
-                <a:cs typeface="+mn-cs"/>
-              </a:defRPr>
-            </a:lvl7pPr>
-            <a:lvl8pPr marL="2200000" indent="-228600" algn="l" defTabSz="914400" rtl="0" eaLnBrk="1" latinLnBrk="1" hangingPunct="1">
-              <a:lnSpc>
-                <a:spcPct val="90000"/>
-              </a:lnSpc>
-              <a:spcBef>
-                <a:spcPts val="300"/>
-              </a:spcBef>
-              <a:spcAft>
-                <a:spcPts val="300"/>
-              </a:spcAft>
-              <a:buClr>
-                <a:schemeClr val="accent1"/>
-              </a:buClr>
-              <a:buFont typeface="Wingdings 2" pitchFamily="18" charset="2"/>
-              <a:buChar char=""/>
-              <a:defRPr sz="1400" kern="1200">
-                <a:solidFill>
-                  <a:schemeClr val="tx1">
-                    <a:lumMod val="85000"/>
-                    <a:lumOff val="15000"/>
-                  </a:schemeClr>
-                </a:solidFill>
-                <a:latin typeface="+mn-lt"/>
-                <a:ea typeface="+mn-ea"/>
-                <a:cs typeface="+mn-cs"/>
-              </a:defRPr>
-            </a:lvl8pPr>
-            <a:lvl9pPr marL="2500000" indent="-228600" algn="l" defTabSz="914400" rtl="0" eaLnBrk="1" latinLnBrk="1" hangingPunct="1">
-              <a:lnSpc>
-                <a:spcPct val="90000"/>
-              </a:lnSpc>
-              <a:spcBef>
-                <a:spcPts val="300"/>
-              </a:spcBef>
-              <a:spcAft>
-                <a:spcPts val="300"/>
-              </a:spcAft>
-              <a:buClr>
-                <a:schemeClr val="accent1"/>
-              </a:buClr>
-              <a:buFont typeface="Wingdings 2" pitchFamily="18" charset="2"/>
-              <a:buChar char=""/>
-              <a:defRPr sz="1400" kern="1200">
-                <a:solidFill>
-                  <a:schemeClr val="tx1">
-                    <a:lumMod val="85000"/>
-                    <a:lumOff val="15000"/>
-                  </a:schemeClr>
-                </a:solidFill>
-                <a:latin typeface="+mn-lt"/>
-                <a:ea typeface="+mn-ea"/>
-                <a:cs typeface="+mn-cs"/>
-              </a:defRPr>
-            </a:lvl9pPr>
-          </a:lstStyle>
-          <a:p>
-            <a:r>
-              <a:rPr lang="ko-KR" altLang="en-US" dirty="0"/>
-              <a:t>작업 시간이 촉박하여 원작 기능 구현에 미흡한 점이 있음</a:t>
-            </a:r>
-            <a:endParaRPr lang="en-US" altLang="ko-KR" dirty="0"/>
-          </a:p>
-          <a:p>
-            <a:r>
-              <a:rPr lang="ko-KR" altLang="en-US" dirty="0"/>
-              <a:t>목표한 기능 중 미구현으로 남은 기능</a:t>
-            </a:r>
-            <a:endParaRPr lang="en-US" altLang="ko-KR" dirty="0"/>
-          </a:p>
-        </p:txBody>
-      </p:sp>
+      </p:pic>
+      <p:pic>
+        <p:nvPicPr>
+          <p:cNvPr id="9" name="그림 8" descr="스크린샷, 텍스트, 그래픽 소프트웨어, 멀티미디어 소프트웨어이(가) 표시된 사진&#10;&#10;자동 생성된 설명">
+            <a:extLst>
+              <a:ext uri="{FF2B5EF4-FFF2-40B4-BE49-F238E27FC236}">
+                <a16:creationId xmlns:a16="http://schemas.microsoft.com/office/drawing/2014/main" id="{7C48F0F3-E76C-5295-DD3F-D3BF46958359}"/>
+              </a:ext>
+            </a:extLst>
+          </p:cNvPr>
+          <p:cNvPicPr>
+            <a:picLocks noChangeAspect="1"/>
+          </p:cNvPicPr>
+          <p:nvPr/>
+        </p:nvPicPr>
+        <p:blipFill>
+          <a:blip r:embed="rId4">
+            <a:extLst>
+              <a:ext uri="{28A0092B-C50C-407E-A947-70E740481C1C}">
+                <a14:useLocalDpi xmlns:a14="http://schemas.microsoft.com/office/drawing/2010/main" val="0"/>
+              </a:ext>
+            </a:extLst>
+          </a:blip>
+          <a:stretch>
+            <a:fillRect/>
+          </a:stretch>
+        </p:blipFill>
+        <p:spPr>
+          <a:xfrm>
+            <a:off x="5466175" y="2359637"/>
+            <a:ext cx="3898231" cy="2138726"/>
+          </a:xfrm>
+          <a:prstGeom prst="rect">
+            <a:avLst/>
+          </a:prstGeom>
+        </p:spPr>
+      </p:pic>
+      <p:pic>
+        <p:nvPicPr>
+          <p:cNvPr id="11" name="그림 10" descr="스크린샷, 그래픽 소프트웨어, 멀티미디어 소프트웨어, 텍스트이(가) 표시된 사진&#10;&#10;자동 생성된 설명">
+            <a:extLst>
+              <a:ext uri="{FF2B5EF4-FFF2-40B4-BE49-F238E27FC236}">
+                <a16:creationId xmlns:a16="http://schemas.microsoft.com/office/drawing/2014/main" id="{467B2692-47B5-EB83-317D-3FCCB84AF6BB}"/>
+              </a:ext>
+            </a:extLst>
+          </p:cNvPr>
+          <p:cNvPicPr>
+            <a:picLocks noChangeAspect="1"/>
+          </p:cNvPicPr>
+          <p:nvPr/>
+        </p:nvPicPr>
+        <p:blipFill>
+          <a:blip r:embed="rId5">
+            <a:extLst>
+              <a:ext uri="{28A0092B-C50C-407E-A947-70E740481C1C}">
+                <a14:useLocalDpi xmlns:a14="http://schemas.microsoft.com/office/drawing/2010/main" val="0"/>
+              </a:ext>
+            </a:extLst>
+          </a:blip>
+          <a:stretch>
+            <a:fillRect/>
+          </a:stretch>
+        </p:blipFill>
+        <p:spPr>
+          <a:xfrm>
+            <a:off x="1414910" y="4540470"/>
+            <a:ext cx="3898231" cy="2138726"/>
+          </a:xfrm>
+          <a:prstGeom prst="rect">
+            <a:avLst/>
+          </a:prstGeom>
+        </p:spPr>
+      </p:pic>
     </p:spTree>
     <p:extLst>
       <p:ext uri="{BB962C8B-B14F-4D97-AF65-F5344CB8AC3E}">
-        <p14:creationId xmlns:p14="http://schemas.microsoft.com/office/powerpoint/2010/main" val="511770704"/>
+        <p14:creationId xmlns:p14="http://schemas.microsoft.com/office/powerpoint/2010/main" val="2619774222"/>
       </p:ext>
     </p:extLst>
   </p:cSld>
